--- a/presentation/Prague-2020-working-with-zip.pptx
+++ b/presentation/Prague-2020-working-with-zip.pptx
@@ -4260,6 +4260,87 @@
           </a:p>
         </p:txBody>
       </p:sp>
+      <p:sp>
+        <p:nvSpPr>
+          <p:cNvPr id="7" name="TextBox 6">
+            <a:extLst>
+              <a:ext uri="{FF2B5EF4-FFF2-40B4-BE49-F238E27FC236}">
+                <a16:creationId xmlns:a16="http://schemas.microsoft.com/office/drawing/2014/main" id="{92A47E9A-066E-4339-8724-20BC6B077D1A}"/>
+              </a:ext>
+            </a:extLst>
+          </p:cNvPr>
+          <p:cNvSpPr txBox="1"/>
+          <p:nvPr/>
+        </p:nvSpPr>
+        <p:spPr>
+          <a:xfrm>
+            <a:off x="137759" y="6217155"/>
+            <a:ext cx="10016314" cy="400110"/>
+          </a:xfrm>
+          <a:prstGeom prst="rect">
+            <a:avLst/>
+          </a:prstGeom>
+          <a:noFill/>
+        </p:spPr>
+        <p:txBody>
+          <a:bodyPr wrap="square" rtlCol="0">
+            <a:spAutoFit/>
+          </a:bodyPr>
+          <a:lstStyle/>
+          <a:p>
+            <a:r>
+              <a:rPr lang="en-US" sz="2000" dirty="0"/>
+              <a:t>Source &amp; presentation: </a:t>
+            </a:r>
+            <a:r>
+              <a:rPr lang="en-GB" sz="2000" dirty="0">
+                <a:hlinkClick r:id="rId4"/>
+              </a:rPr>
+              <a:t>https://github.com/xatapult/working-with-zip-demo-prague-2020</a:t>
+            </a:r>
+            <a:r>
+              <a:rPr lang="en-GB" sz="2000" dirty="0"/>
+              <a:t> </a:t>
+            </a:r>
+          </a:p>
+        </p:txBody>
+      </p:sp>
+      <p:pic>
+        <p:nvPicPr>
+          <p:cNvPr id="9" name="Picture 8" descr="A close up of a logo&#10;&#10;Description automatically generated">
+            <a:extLst>
+              <a:ext uri="{FF2B5EF4-FFF2-40B4-BE49-F238E27FC236}">
+                <a16:creationId xmlns:a16="http://schemas.microsoft.com/office/drawing/2014/main" id="{2722BF6B-E622-4F61-A670-032570FA0C51}"/>
+              </a:ext>
+            </a:extLst>
+          </p:cNvPr>
+          <p:cNvPicPr>
+            <a:picLocks noChangeAspect="1"/>
+          </p:cNvPicPr>
+          <p:nvPr/>
+        </p:nvPicPr>
+        <p:blipFill>
+          <a:blip r:embed="rId5">
+            <a:extLst>
+              <a:ext uri="{28A0092B-C50C-407E-A947-70E740481C1C}">
+                <a14:useLocalDpi xmlns:a14="http://schemas.microsoft.com/office/drawing/2010/main" val="0"/>
+              </a:ext>
+            </a:extLst>
+          </a:blip>
+          <a:stretch>
+            <a:fillRect/>
+          </a:stretch>
+        </p:blipFill>
+        <p:spPr>
+          <a:xfrm>
+            <a:off x="10622012" y="6266048"/>
+            <a:ext cx="1295196" cy="400110"/>
+          </a:xfrm>
+          <a:prstGeom prst="rect">
+            <a:avLst/>
+          </a:prstGeom>
+        </p:spPr>
+      </p:pic>
     </p:spTree>
     <p:extLst>
       <p:ext uri="{BB962C8B-B14F-4D97-AF65-F5344CB8AC3E}">
@@ -5254,6 +5335,108 @@
           </a:p>
         </p:txBody>
       </p:sp>
+      <p:sp>
+        <p:nvSpPr>
+          <p:cNvPr id="9" name="Oval 8">
+            <a:extLst>
+              <a:ext uri="{FF2B5EF4-FFF2-40B4-BE49-F238E27FC236}">
+                <a16:creationId xmlns:a16="http://schemas.microsoft.com/office/drawing/2014/main" id="{A1CE6C11-D39D-44F5-A8CB-C5E028871472}"/>
+              </a:ext>
+            </a:extLst>
+          </p:cNvPr>
+          <p:cNvSpPr/>
+          <p:nvPr/>
+        </p:nvSpPr>
+        <p:spPr>
+          <a:xfrm>
+            <a:off x="5613362" y="2460081"/>
+            <a:ext cx="5887418" cy="1113348"/>
+          </a:xfrm>
+          <a:prstGeom prst="ellipse">
+            <a:avLst/>
+          </a:prstGeom>
+          <a:solidFill>
+            <a:schemeClr val="accent2">
+              <a:alpha val="31000"/>
+            </a:schemeClr>
+          </a:solidFill>
+        </p:spPr>
+        <p:style>
+          <a:lnRef idx="2">
+            <a:schemeClr val="accent1">
+              <a:shade val="50000"/>
+            </a:schemeClr>
+          </a:lnRef>
+          <a:fillRef idx="1">
+            <a:schemeClr val="accent1"/>
+          </a:fillRef>
+          <a:effectRef idx="0">
+            <a:schemeClr val="accent1"/>
+          </a:effectRef>
+          <a:fontRef idx="minor">
+            <a:schemeClr val="lt1"/>
+          </a:fontRef>
+        </p:style>
+        <p:txBody>
+          <a:bodyPr rtlCol="0" anchor="ctr"/>
+          <a:lstStyle/>
+          <a:p>
+            <a:pPr algn="ctr"/>
+            <a:endParaRPr lang="en-GB"/>
+          </a:p>
+        </p:txBody>
+      </p:sp>
+      <p:sp>
+        <p:nvSpPr>
+          <p:cNvPr id="11" name="Oval 10">
+            <a:extLst>
+              <a:ext uri="{FF2B5EF4-FFF2-40B4-BE49-F238E27FC236}">
+                <a16:creationId xmlns:a16="http://schemas.microsoft.com/office/drawing/2014/main" id="{BD431CE8-EF60-410D-B019-B45A2ECB3733}"/>
+              </a:ext>
+            </a:extLst>
+          </p:cNvPr>
+          <p:cNvSpPr/>
+          <p:nvPr/>
+        </p:nvSpPr>
+        <p:spPr>
+          <a:xfrm>
+            <a:off x="905526" y="2179186"/>
+            <a:ext cx="1658892" cy="525755"/>
+          </a:xfrm>
+          <a:prstGeom prst="ellipse">
+            <a:avLst/>
+          </a:prstGeom>
+          <a:solidFill>
+            <a:schemeClr val="accent2">
+              <a:alpha val="31000"/>
+            </a:schemeClr>
+          </a:solidFill>
+        </p:spPr>
+        <p:style>
+          <a:lnRef idx="2">
+            <a:schemeClr val="accent1">
+              <a:shade val="50000"/>
+            </a:schemeClr>
+          </a:lnRef>
+          <a:fillRef idx="1">
+            <a:schemeClr val="accent1"/>
+          </a:fillRef>
+          <a:effectRef idx="0">
+            <a:schemeClr val="accent1"/>
+          </a:effectRef>
+          <a:fontRef idx="minor">
+            <a:schemeClr val="lt1"/>
+          </a:fontRef>
+        </p:style>
+        <p:txBody>
+          <a:bodyPr rtlCol="0" anchor="ctr"/>
+          <a:lstStyle/>
+          <a:p>
+            <a:pPr algn="ctr"/>
+            <a:endParaRPr lang="en-GB"/>
+          </a:p>
+        </p:txBody>
+      </p:sp>
     </p:spTree>
     <p:extLst>
       <p:ext uri="{BB962C8B-B14F-4D97-AF65-F5344CB8AC3E}">
@@ -5264,6 +5447,130 @@
   <p:clrMapOvr>
     <a:masterClrMapping/>
   </p:clrMapOvr>
+  <p:timing>
+    <p:tnLst>
+      <p:par>
+        <p:cTn id="1" dur="indefinite" restart="never" nodeType="tmRoot">
+          <p:childTnLst>
+            <p:seq concurrent="1" nextAc="seek">
+              <p:cTn id="2" dur="indefinite" nodeType="mainSeq">
+                <p:childTnLst>
+                  <p:par>
+                    <p:cTn id="3" fill="hold">
+                      <p:stCondLst>
+                        <p:cond delay="indefinite"/>
+                      </p:stCondLst>
+                      <p:childTnLst>
+                        <p:par>
+                          <p:cTn id="4" fill="hold">
+                            <p:stCondLst>
+                              <p:cond delay="0"/>
+                            </p:stCondLst>
+                            <p:childTnLst>
+                              <p:par>
+                                <p:cTn id="5" presetID="1" presetClass="entr" presetSubtype="0" fill="hold" grpId="0" nodeType="clickEffect">
+                                  <p:stCondLst>
+                                    <p:cond delay="0"/>
+                                  </p:stCondLst>
+                                  <p:childTnLst>
+                                    <p:set>
+                                      <p:cBhvr>
+                                        <p:cTn id="6" dur="1" fill="hold">
+                                          <p:stCondLst>
+                                            <p:cond delay="0"/>
+                                          </p:stCondLst>
+                                        </p:cTn>
+                                        <p:tgtEl>
+                                          <p:spTgt spid="9"/>
+                                        </p:tgtEl>
+                                        <p:attrNameLst>
+                                          <p:attrName>style.visibility</p:attrName>
+                                        </p:attrNameLst>
+                                      </p:cBhvr>
+                                      <p:to>
+                                        <p:strVal val="visible"/>
+                                      </p:to>
+                                    </p:set>
+                                  </p:childTnLst>
+                                </p:cTn>
+                              </p:par>
+                            </p:childTnLst>
+                          </p:cTn>
+                        </p:par>
+                      </p:childTnLst>
+                    </p:cTn>
+                  </p:par>
+                  <p:par>
+                    <p:cTn id="7" fill="hold">
+                      <p:stCondLst>
+                        <p:cond delay="indefinite"/>
+                      </p:stCondLst>
+                      <p:childTnLst>
+                        <p:par>
+                          <p:cTn id="8" fill="hold">
+                            <p:stCondLst>
+                              <p:cond delay="0"/>
+                            </p:stCondLst>
+                            <p:childTnLst>
+                              <p:par>
+                                <p:cTn id="9" presetID="1" presetClass="entr" presetSubtype="0" fill="hold" grpId="0" nodeType="clickEffect">
+                                  <p:stCondLst>
+                                    <p:cond delay="0"/>
+                                  </p:stCondLst>
+                                  <p:childTnLst>
+                                    <p:set>
+                                      <p:cBhvr>
+                                        <p:cTn id="10" dur="1" fill="hold">
+                                          <p:stCondLst>
+                                            <p:cond delay="0"/>
+                                          </p:stCondLst>
+                                        </p:cTn>
+                                        <p:tgtEl>
+                                          <p:spTgt spid="11"/>
+                                        </p:tgtEl>
+                                        <p:attrNameLst>
+                                          <p:attrName>style.visibility</p:attrName>
+                                        </p:attrNameLst>
+                                      </p:cBhvr>
+                                      <p:to>
+                                        <p:strVal val="visible"/>
+                                      </p:to>
+                                    </p:set>
+                                  </p:childTnLst>
+                                </p:cTn>
+                              </p:par>
+                            </p:childTnLst>
+                          </p:cTn>
+                        </p:par>
+                      </p:childTnLst>
+                    </p:cTn>
+                  </p:par>
+                </p:childTnLst>
+              </p:cTn>
+              <p:prevCondLst>
+                <p:cond evt="onPrev" delay="0">
+                  <p:tgtEl>
+                    <p:sldTgt/>
+                  </p:tgtEl>
+                </p:cond>
+              </p:prevCondLst>
+              <p:nextCondLst>
+                <p:cond evt="onNext" delay="0">
+                  <p:tgtEl>
+                    <p:sldTgt/>
+                  </p:tgtEl>
+                </p:cond>
+              </p:nextCondLst>
+            </p:seq>
+          </p:childTnLst>
+        </p:cTn>
+      </p:par>
+    </p:tnLst>
+    <p:bldLst>
+      <p:bldP spid="9" grpId="0" animBg="1"/>
+      <p:bldP spid="11" grpId="0" animBg="1"/>
+    </p:bldLst>
+  </p:timing>
 </p:sld>
 </file>
 
@@ -6018,6 +6325,295 @@
   <p:clrMapOvr>
     <a:masterClrMapping/>
   </p:clrMapOvr>
+  <p:timing>
+    <p:tnLst>
+      <p:par>
+        <p:cTn id="1" dur="indefinite" restart="never" nodeType="tmRoot">
+          <p:childTnLst>
+            <p:seq concurrent="1" nextAc="seek">
+              <p:cTn id="2" dur="indefinite" nodeType="mainSeq">
+                <p:childTnLst>
+                  <p:par>
+                    <p:cTn id="3" fill="hold">
+                      <p:stCondLst>
+                        <p:cond delay="indefinite"/>
+                      </p:stCondLst>
+                      <p:childTnLst>
+                        <p:par>
+                          <p:cTn id="4" fill="hold">
+                            <p:stCondLst>
+                              <p:cond delay="0"/>
+                            </p:stCondLst>
+                            <p:childTnLst>
+                              <p:par>
+                                <p:cTn id="5" presetID="1" presetClass="entr" presetSubtype="0" fill="hold" nodeType="clickEffect">
+                                  <p:stCondLst>
+                                    <p:cond delay="0"/>
+                                  </p:stCondLst>
+                                  <p:childTnLst>
+                                    <p:set>
+                                      <p:cBhvr>
+                                        <p:cTn id="6" dur="1" fill="hold">
+                                          <p:stCondLst>
+                                            <p:cond delay="0"/>
+                                          </p:stCondLst>
+                                        </p:cTn>
+                                        <p:tgtEl>
+                                          <p:spTgt spid="20"/>
+                                        </p:tgtEl>
+                                        <p:attrNameLst>
+                                          <p:attrName>style.visibility</p:attrName>
+                                        </p:attrNameLst>
+                                      </p:cBhvr>
+                                      <p:to>
+                                        <p:strVal val="visible"/>
+                                      </p:to>
+                                    </p:set>
+                                  </p:childTnLst>
+                                </p:cTn>
+                              </p:par>
+                              <p:par>
+                                <p:cTn id="7" presetID="1" presetClass="entr" presetSubtype="0" fill="hold" grpId="0" nodeType="withEffect">
+                                  <p:stCondLst>
+                                    <p:cond delay="0"/>
+                                  </p:stCondLst>
+                                  <p:childTnLst>
+                                    <p:set>
+                                      <p:cBhvr>
+                                        <p:cTn id="8" dur="1" fill="hold">
+                                          <p:stCondLst>
+                                            <p:cond delay="0"/>
+                                          </p:stCondLst>
+                                        </p:cTn>
+                                        <p:tgtEl>
+                                          <p:spTgt spid="11"/>
+                                        </p:tgtEl>
+                                        <p:attrNameLst>
+                                          <p:attrName>style.visibility</p:attrName>
+                                        </p:attrNameLst>
+                                      </p:cBhvr>
+                                      <p:to>
+                                        <p:strVal val="visible"/>
+                                      </p:to>
+                                    </p:set>
+                                  </p:childTnLst>
+                                </p:cTn>
+                              </p:par>
+                            </p:childTnLst>
+                          </p:cTn>
+                        </p:par>
+                      </p:childTnLst>
+                    </p:cTn>
+                  </p:par>
+                  <p:par>
+                    <p:cTn id="9" fill="hold">
+                      <p:stCondLst>
+                        <p:cond delay="indefinite"/>
+                      </p:stCondLst>
+                      <p:childTnLst>
+                        <p:par>
+                          <p:cTn id="10" fill="hold">
+                            <p:stCondLst>
+                              <p:cond delay="0"/>
+                            </p:stCondLst>
+                            <p:childTnLst>
+                              <p:par>
+                                <p:cTn id="11" presetID="1" presetClass="entr" presetSubtype="0" fill="hold" grpId="0" nodeType="clickEffect">
+                                  <p:stCondLst>
+                                    <p:cond delay="0"/>
+                                  </p:stCondLst>
+                                  <p:childTnLst>
+                                    <p:set>
+                                      <p:cBhvr>
+                                        <p:cTn id="12" dur="1" fill="hold">
+                                          <p:stCondLst>
+                                            <p:cond delay="0"/>
+                                          </p:stCondLst>
+                                        </p:cTn>
+                                        <p:tgtEl>
+                                          <p:spTgt spid="12"/>
+                                        </p:tgtEl>
+                                        <p:attrNameLst>
+                                          <p:attrName>style.visibility</p:attrName>
+                                        </p:attrNameLst>
+                                      </p:cBhvr>
+                                      <p:to>
+                                        <p:strVal val="visible"/>
+                                      </p:to>
+                                    </p:set>
+                                  </p:childTnLst>
+                                </p:cTn>
+                              </p:par>
+                              <p:par>
+                                <p:cTn id="13" presetID="1" presetClass="entr" presetSubtype="0" fill="hold" nodeType="withEffect">
+                                  <p:stCondLst>
+                                    <p:cond delay="0"/>
+                                  </p:stCondLst>
+                                  <p:childTnLst>
+                                    <p:set>
+                                      <p:cBhvr>
+                                        <p:cTn id="14" dur="1" fill="hold">
+                                          <p:stCondLst>
+                                            <p:cond delay="0"/>
+                                          </p:stCondLst>
+                                        </p:cTn>
+                                        <p:tgtEl>
+                                          <p:spTgt spid="17"/>
+                                        </p:tgtEl>
+                                        <p:attrNameLst>
+                                          <p:attrName>style.visibility</p:attrName>
+                                        </p:attrNameLst>
+                                      </p:cBhvr>
+                                      <p:to>
+                                        <p:strVal val="visible"/>
+                                      </p:to>
+                                    </p:set>
+                                  </p:childTnLst>
+                                </p:cTn>
+                              </p:par>
+                              <p:par>
+                                <p:cTn id="15" presetID="1" presetClass="entr" presetSubtype="0" fill="hold" grpId="0" nodeType="withEffect">
+                                  <p:stCondLst>
+                                    <p:cond delay="0"/>
+                                  </p:stCondLst>
+                                  <p:childTnLst>
+                                    <p:set>
+                                      <p:cBhvr>
+                                        <p:cTn id="16" dur="1" fill="hold">
+                                          <p:stCondLst>
+                                            <p:cond delay="0"/>
+                                          </p:stCondLst>
+                                        </p:cTn>
+                                        <p:tgtEl>
+                                          <p:spTgt spid="14"/>
+                                        </p:tgtEl>
+                                        <p:attrNameLst>
+                                          <p:attrName>style.visibility</p:attrName>
+                                        </p:attrNameLst>
+                                      </p:cBhvr>
+                                      <p:to>
+                                        <p:strVal val="visible"/>
+                                      </p:to>
+                                    </p:set>
+                                  </p:childTnLst>
+                                </p:cTn>
+                              </p:par>
+                              <p:par>
+                                <p:cTn id="17" presetID="1" presetClass="entr" presetSubtype="0" fill="hold" grpId="0" nodeType="withEffect">
+                                  <p:stCondLst>
+                                    <p:cond delay="0"/>
+                                  </p:stCondLst>
+                                  <p:childTnLst>
+                                    <p:set>
+                                      <p:cBhvr>
+                                        <p:cTn id="18" dur="1" fill="hold">
+                                          <p:stCondLst>
+                                            <p:cond delay="0"/>
+                                          </p:stCondLst>
+                                        </p:cTn>
+                                        <p:tgtEl>
+                                          <p:spTgt spid="13"/>
+                                        </p:tgtEl>
+                                        <p:attrNameLst>
+                                          <p:attrName>style.visibility</p:attrName>
+                                        </p:attrNameLst>
+                                      </p:cBhvr>
+                                      <p:to>
+                                        <p:strVal val="visible"/>
+                                      </p:to>
+                                    </p:set>
+                                  </p:childTnLst>
+                                </p:cTn>
+                              </p:par>
+                              <p:par>
+                                <p:cTn id="19" presetID="1" presetClass="entr" presetSubtype="0" fill="hold" nodeType="withEffect">
+                                  <p:stCondLst>
+                                    <p:cond delay="0"/>
+                                  </p:stCondLst>
+                                  <p:childTnLst>
+                                    <p:set>
+                                      <p:cBhvr>
+                                        <p:cTn id="20" dur="1" fill="hold">
+                                          <p:stCondLst>
+                                            <p:cond delay="0"/>
+                                          </p:stCondLst>
+                                        </p:cTn>
+                                        <p:tgtEl>
+                                          <p:spTgt spid="18"/>
+                                        </p:tgtEl>
+                                        <p:attrNameLst>
+                                          <p:attrName>style.visibility</p:attrName>
+                                        </p:attrNameLst>
+                                      </p:cBhvr>
+                                      <p:to>
+                                        <p:strVal val="visible"/>
+                                      </p:to>
+                                    </p:set>
+                                  </p:childTnLst>
+                                </p:cTn>
+                              </p:par>
+                              <p:par>
+                                <p:cTn id="21" presetID="1" presetClass="entr" presetSubtype="0" fill="hold" grpId="0" nodeType="withEffect">
+                                  <p:stCondLst>
+                                    <p:cond delay="0"/>
+                                  </p:stCondLst>
+                                  <p:childTnLst>
+                                    <p:set>
+                                      <p:cBhvr>
+                                        <p:cTn id="22" dur="1" fill="hold">
+                                          <p:stCondLst>
+                                            <p:cond delay="0"/>
+                                          </p:stCondLst>
+                                        </p:cTn>
+                                        <p:tgtEl>
+                                          <p:spTgt spid="15"/>
+                                        </p:tgtEl>
+                                        <p:attrNameLst>
+                                          <p:attrName>style.visibility</p:attrName>
+                                        </p:attrNameLst>
+                                      </p:cBhvr>
+                                      <p:to>
+                                        <p:strVal val="visible"/>
+                                      </p:to>
+                                    </p:set>
+                                  </p:childTnLst>
+                                </p:cTn>
+                              </p:par>
+                            </p:childTnLst>
+                          </p:cTn>
+                        </p:par>
+                      </p:childTnLst>
+                    </p:cTn>
+                  </p:par>
+                </p:childTnLst>
+              </p:cTn>
+              <p:prevCondLst>
+                <p:cond evt="onPrev" delay="0">
+                  <p:tgtEl>
+                    <p:sldTgt/>
+                  </p:tgtEl>
+                </p:cond>
+              </p:prevCondLst>
+              <p:nextCondLst>
+                <p:cond evt="onNext" delay="0">
+                  <p:tgtEl>
+                    <p:sldTgt/>
+                  </p:tgtEl>
+                </p:cond>
+              </p:nextCondLst>
+            </p:seq>
+          </p:childTnLst>
+        </p:cTn>
+      </p:par>
+    </p:tnLst>
+    <p:bldLst>
+      <p:bldP spid="11" grpId="0" animBg="1"/>
+      <p:bldP spid="12" grpId="0" animBg="1"/>
+      <p:bldP spid="13" grpId="0" animBg="1"/>
+      <p:bldP spid="14" grpId="0"/>
+      <p:bldP spid="15" grpId="0"/>
+    </p:bldLst>
+  </p:timing>
 </p:sld>
 </file>
 
@@ -6702,6 +7298,83 @@
           </a:fontRef>
         </p:style>
       </p:cxnSp>
+      <p:sp>
+        <p:nvSpPr>
+          <p:cNvPr id="12" name="TextBox 11">
+            <a:extLst>
+              <a:ext uri="{FF2B5EF4-FFF2-40B4-BE49-F238E27FC236}">
+                <a16:creationId xmlns:a16="http://schemas.microsoft.com/office/drawing/2014/main" id="{E92F7157-7836-4360-9E56-BF5F67740CAA}"/>
+              </a:ext>
+            </a:extLst>
+          </p:cNvPr>
+          <p:cNvSpPr txBox="1"/>
+          <p:nvPr/>
+        </p:nvSpPr>
+        <p:spPr>
+          <a:xfrm>
+            <a:off x="6750729" y="5704539"/>
+            <a:ext cx="1966753" cy="369332"/>
+          </a:xfrm>
+          <a:prstGeom prst="rect">
+            <a:avLst/>
+          </a:prstGeom>
+          <a:noFill/>
+        </p:spPr>
+        <p:txBody>
+          <a:bodyPr wrap="square" rtlCol="0">
+            <a:spAutoFit/>
+          </a:bodyPr>
+          <a:lstStyle/>
+          <a:p>
+            <a:r>
+              <a:rPr lang="en-US" dirty="0"/>
+              <a:t>URI of file on disk</a:t>
+            </a:r>
+            <a:endParaRPr lang="en-GB" dirty="0"/>
+          </a:p>
+        </p:txBody>
+      </p:sp>
+      <p:cxnSp>
+        <p:nvCxnSpPr>
+          <p:cNvPr id="14" name="Straight Arrow Connector 13">
+            <a:extLst>
+              <a:ext uri="{FF2B5EF4-FFF2-40B4-BE49-F238E27FC236}">
+                <a16:creationId xmlns:a16="http://schemas.microsoft.com/office/drawing/2014/main" id="{A2675138-25FC-4C71-959C-C250C11719C1}"/>
+              </a:ext>
+            </a:extLst>
+          </p:cNvPr>
+          <p:cNvCxnSpPr>
+            <a:cxnSpLocks/>
+          </p:cNvCxnSpPr>
+          <p:nvPr/>
+        </p:nvCxnSpPr>
+        <p:spPr>
+          <a:xfrm flipV="1">
+            <a:off x="7584594" y="4884234"/>
+            <a:ext cx="69603" cy="777940"/>
+          </a:xfrm>
+          <a:prstGeom prst="straightConnector1">
+            <a:avLst/>
+          </a:prstGeom>
+          <a:ln w="25400">
+            <a:tailEnd type="triangle"/>
+          </a:ln>
+        </p:spPr>
+        <p:style>
+          <a:lnRef idx="1">
+            <a:schemeClr val="accent1"/>
+          </a:lnRef>
+          <a:fillRef idx="0">
+            <a:schemeClr val="accent1"/>
+          </a:fillRef>
+          <a:effectRef idx="0">
+            <a:schemeClr val="accent1"/>
+          </a:effectRef>
+          <a:fontRef idx="minor">
+            <a:schemeClr val="tx1"/>
+          </a:fontRef>
+        </p:style>
+      </p:cxnSp>
     </p:spTree>
     <p:extLst>
       <p:ext uri="{BB962C8B-B14F-4D97-AF65-F5344CB8AC3E}">
@@ -6712,6 +7385,166 @@
   <p:clrMapOvr>
     <a:masterClrMapping/>
   </p:clrMapOvr>
+  <p:timing>
+    <p:tnLst>
+      <p:par>
+        <p:cTn id="1" dur="indefinite" restart="never" nodeType="tmRoot">
+          <p:childTnLst>
+            <p:seq concurrent="1" nextAc="seek">
+              <p:cTn id="2" dur="indefinite" nodeType="mainSeq">
+                <p:childTnLst>
+                  <p:par>
+                    <p:cTn id="3" fill="hold">
+                      <p:stCondLst>
+                        <p:cond delay="indefinite"/>
+                      </p:stCondLst>
+                      <p:childTnLst>
+                        <p:par>
+                          <p:cTn id="4" fill="hold">
+                            <p:stCondLst>
+                              <p:cond delay="0"/>
+                            </p:stCondLst>
+                            <p:childTnLst>
+                              <p:par>
+                                <p:cTn id="5" presetID="1" presetClass="entr" presetSubtype="0" fill="hold" nodeType="clickEffect">
+                                  <p:stCondLst>
+                                    <p:cond delay="0"/>
+                                  </p:stCondLst>
+                                  <p:childTnLst>
+                                    <p:set>
+                                      <p:cBhvr>
+                                        <p:cTn id="6" dur="1" fill="hold">
+                                          <p:stCondLst>
+                                            <p:cond delay="0"/>
+                                          </p:stCondLst>
+                                        </p:cTn>
+                                        <p:tgtEl>
+                                          <p:spTgt spid="20"/>
+                                        </p:tgtEl>
+                                        <p:attrNameLst>
+                                          <p:attrName>style.visibility</p:attrName>
+                                        </p:attrNameLst>
+                                      </p:cBhvr>
+                                      <p:to>
+                                        <p:strVal val="visible"/>
+                                      </p:to>
+                                    </p:set>
+                                  </p:childTnLst>
+                                </p:cTn>
+                              </p:par>
+                              <p:par>
+                                <p:cTn id="7" presetID="1" presetClass="entr" presetSubtype="0" fill="hold" grpId="0" nodeType="withEffect">
+                                  <p:stCondLst>
+                                    <p:cond delay="0"/>
+                                  </p:stCondLst>
+                                  <p:childTnLst>
+                                    <p:set>
+                                      <p:cBhvr>
+                                        <p:cTn id="8" dur="1" fill="hold">
+                                          <p:stCondLst>
+                                            <p:cond delay="0"/>
+                                          </p:stCondLst>
+                                        </p:cTn>
+                                        <p:tgtEl>
+                                          <p:spTgt spid="13"/>
+                                        </p:tgtEl>
+                                        <p:attrNameLst>
+                                          <p:attrName>style.visibility</p:attrName>
+                                        </p:attrNameLst>
+                                      </p:cBhvr>
+                                      <p:to>
+                                        <p:strVal val="visible"/>
+                                      </p:to>
+                                    </p:set>
+                                  </p:childTnLst>
+                                </p:cTn>
+                              </p:par>
+                              <p:par>
+                                <p:cTn id="9" presetID="1" presetClass="entr" presetSubtype="0" fill="hold" nodeType="withEffect">
+                                  <p:stCondLst>
+                                    <p:cond delay="0"/>
+                                  </p:stCondLst>
+                                  <p:childTnLst>
+                                    <p:set>
+                                      <p:cBhvr>
+                                        <p:cTn id="10" dur="1" fill="hold">
+                                          <p:stCondLst>
+                                            <p:cond delay="0"/>
+                                          </p:stCondLst>
+                                        </p:cTn>
+                                        <p:tgtEl>
+                                          <p:spTgt spid="14"/>
+                                        </p:tgtEl>
+                                        <p:attrNameLst>
+                                          <p:attrName>style.visibility</p:attrName>
+                                        </p:attrNameLst>
+                                      </p:cBhvr>
+                                      <p:to>
+                                        <p:strVal val="visible"/>
+                                      </p:to>
+                                    </p:set>
+                                  </p:childTnLst>
+                                </p:cTn>
+                              </p:par>
+                              <p:par>
+                                <p:cTn id="11" presetID="1" presetClass="entr" presetSubtype="0" fill="hold" grpId="0" nodeType="withEffect">
+                                  <p:stCondLst>
+                                    <p:cond delay="0"/>
+                                  </p:stCondLst>
+                                  <p:childTnLst>
+                                    <p:set>
+                                      <p:cBhvr>
+                                        <p:cTn id="12" dur="1" fill="hold">
+                                          <p:stCondLst>
+                                            <p:cond delay="0"/>
+                                          </p:stCondLst>
+                                        </p:cTn>
+                                        <p:tgtEl>
+                                          <p:spTgt spid="12"/>
+                                        </p:tgtEl>
+                                        <p:attrNameLst>
+                                          <p:attrName>style.visibility</p:attrName>
+                                        </p:attrNameLst>
+                                      </p:cBhvr>
+                                      <p:to>
+                                        <p:strVal val="visible"/>
+                                      </p:to>
+                                    </p:set>
+                                  </p:childTnLst>
+                                </p:cTn>
+                              </p:par>
+                            </p:childTnLst>
+                          </p:cTn>
+                        </p:par>
+                      </p:childTnLst>
+                    </p:cTn>
+                  </p:par>
+                </p:childTnLst>
+              </p:cTn>
+              <p:prevCondLst>
+                <p:cond evt="onPrev" delay="0">
+                  <p:tgtEl>
+                    <p:sldTgt/>
+                  </p:tgtEl>
+                </p:cond>
+              </p:prevCondLst>
+              <p:nextCondLst>
+                <p:cond evt="onNext" delay="0">
+                  <p:tgtEl>
+                    <p:sldTgt/>
+                  </p:tgtEl>
+                </p:cond>
+              </p:nextCondLst>
+            </p:seq>
+          </p:childTnLst>
+        </p:cTn>
+      </p:par>
+    </p:tnLst>
+    <p:bldLst>
+      <p:bldP spid="13" grpId="0" animBg="1"/>
+      <p:bldP spid="12" grpId="0"/>
+    </p:bldLst>
+  </p:timing>
 </p:sld>
 </file>
 
@@ -6926,8 +7759,8 @@
         </p:nvSpPr>
         <p:spPr>
           <a:xfrm>
-            <a:off x="6877500" y="4205255"/>
-            <a:ext cx="2530851" cy="830997"/>
+            <a:off x="495115" y="4900792"/>
+            <a:ext cx="11579426" cy="461665"/>
           </a:xfrm>
           <a:prstGeom prst="rect">
             <a:avLst/>
@@ -6941,36 +7774,46 @@
           <a:lstStyle/>
           <a:p>
             <a:r>
-              <a:rPr lang="en-US" sz="1600" dirty="0"/>
-              <a:t>All documents in the archive with base-</a:t>
-            </a:r>
-            <a:r>
-              <a:rPr lang="en-US" sz="1600" dirty="0" err="1"/>
+              <a:rPr lang="en-US" sz="2400" dirty="0"/>
+              <a:t>All 2 documents in the archive with property </a:t>
+            </a:r>
+            <a:r>
+              <a:rPr lang="en-US" sz="2400" b="1" dirty="0">
+                <a:latin typeface="Courier New" panose="02070309020205020404" pitchFamily="49" charset="0"/>
+                <a:cs typeface="Courier New" panose="02070309020205020404" pitchFamily="49" charset="0"/>
+              </a:rPr>
+              <a:t>base-</a:t>
+            </a:r>
+            <a:r>
+              <a:rPr lang="en-US" sz="2400" b="1" dirty="0" err="1">
+                <a:latin typeface="Courier New" panose="02070309020205020404" pitchFamily="49" charset="0"/>
+                <a:cs typeface="Courier New" panose="02070309020205020404" pitchFamily="49" charset="0"/>
+              </a:rPr>
               <a:t>uri</a:t>
             </a:r>
             <a:r>
-              <a:rPr lang="en-US" sz="1600" dirty="0"/>
+              <a:rPr lang="en-US" sz="2400" dirty="0"/>
               <a:t> same as </a:t>
             </a:r>
             <a:r>
-              <a:rPr lang="en-US" sz="1600" b="1" dirty="0">
+              <a:rPr lang="en-US" sz="2400" b="1" dirty="0">
                 <a:latin typeface="Courier New" panose="02070309020205020404" pitchFamily="49" charset="0"/>
                 <a:cs typeface="Courier New" panose="02070309020205020404" pitchFamily="49" charset="0"/>
               </a:rPr>
               <a:t>@</a:t>
             </a:r>
             <a:r>
-              <a:rPr lang="en-US" sz="1600" b="1" dirty="0" err="1">
+              <a:rPr lang="en-US" sz="2400" b="1" dirty="0" err="1">
                 <a:latin typeface="Courier New" panose="02070309020205020404" pitchFamily="49" charset="0"/>
                 <a:cs typeface="Courier New" panose="02070309020205020404" pitchFamily="49" charset="0"/>
               </a:rPr>
               <a:t>href</a:t>
             </a:r>
             <a:r>
-              <a:rPr lang="en-US" sz="1600" dirty="0"/>
-              <a:t> in the manifest</a:t>
-            </a:r>
-            <a:endParaRPr lang="en-GB" sz="1600" dirty="0"/>
+              <a:rPr lang="en-US" sz="2400" dirty="0"/>
+              <a:t> in the manifest!</a:t>
+            </a:r>
+            <a:endParaRPr lang="en-GB" sz="2400" dirty="0"/>
           </a:p>
         </p:txBody>
       </p:sp>
@@ -6988,8 +7831,8 @@
         </p:nvSpPr>
         <p:spPr>
           <a:xfrm>
-            <a:off x="174069" y="1299636"/>
-            <a:ext cx="6525753" cy="3108543"/>
+            <a:off x="1574662" y="1554993"/>
+            <a:ext cx="5388159" cy="307777"/>
           </a:xfrm>
           <a:prstGeom prst="rect">
             <a:avLst/>
@@ -7011,250 +7854,21 @@
                 <a:latin typeface="Courier New" panose="02070309020205020404" pitchFamily="49" charset="0"/>
                 <a:cs typeface="Courier New" panose="02070309020205020404" pitchFamily="49" charset="0"/>
               </a:rPr>
-              <a:t>&lt;</a:t>
+              <a:t>base-</a:t>
             </a:r>
             <a:r>
               <a:rPr lang="en-GB" sz="1400" b="1" dirty="0" err="1">
                 <a:latin typeface="Courier New" panose="02070309020205020404" pitchFamily="49" charset="0"/>
                 <a:cs typeface="Courier New" panose="02070309020205020404" pitchFamily="49" charset="0"/>
               </a:rPr>
-              <a:t>c:archive</a:t>
+              <a:t>uri</a:t>
             </a:r>
             <a:r>
               <a:rPr lang="en-GB" sz="1400" b="1" dirty="0">
                 <a:latin typeface="Courier New" panose="02070309020205020404" pitchFamily="49" charset="0"/>
                 <a:cs typeface="Courier New" panose="02070309020205020404" pitchFamily="49" charset="0"/>
               </a:rPr>
-              <a:t> </a:t>
-            </a:r>
-            <a:r>
-              <a:rPr lang="en-GB" sz="1400" b="1" dirty="0" err="1">
-                <a:latin typeface="Courier New" panose="02070309020205020404" pitchFamily="49" charset="0"/>
-                <a:cs typeface="Courier New" panose="02070309020205020404" pitchFamily="49" charset="0"/>
-              </a:rPr>
-              <a:t>xmlns:c</a:t>
-            </a:r>
-            <a:r>
-              <a:rPr lang="en-GB" sz="1400" b="1" dirty="0">
-                <a:latin typeface="Courier New" panose="02070309020205020404" pitchFamily="49" charset="0"/>
-                <a:cs typeface="Courier New" panose="02070309020205020404" pitchFamily="49" charset="0"/>
-              </a:rPr>
-              <a:t>="http://www.w3.org/ns/xproc-step"&gt;</a:t>
-            </a:r>
-          </a:p>
-          <a:p>
-            <a:r>
-              <a:rPr lang="en-GB" sz="1400" b="1" dirty="0">
-                <a:latin typeface="Courier New" panose="02070309020205020404" pitchFamily="49" charset="0"/>
-                <a:cs typeface="Courier New" panose="02070309020205020404" pitchFamily="49" charset="0"/>
-              </a:rPr>
-              <a:t>   &lt;</a:t>
-            </a:r>
-            <a:r>
-              <a:rPr lang="en-GB" sz="1400" b="1" dirty="0" err="1">
-                <a:latin typeface="Courier New" panose="02070309020205020404" pitchFamily="49" charset="0"/>
-                <a:cs typeface="Courier New" panose="02070309020205020404" pitchFamily="49" charset="0"/>
-              </a:rPr>
-              <a:t>c:entry</a:t>
-            </a:r>
-            <a:r>
-              <a:rPr lang="en-GB" sz="1400" b="1" dirty="0">
-                <a:latin typeface="Courier New" panose="02070309020205020404" pitchFamily="49" charset="0"/>
-                <a:cs typeface="Courier New" panose="02070309020205020404" pitchFamily="49" charset="0"/>
-              </a:rPr>
-              <a:t> name="demo.html"</a:t>
-            </a:r>
-          </a:p>
-          <a:p>
-            <a:r>
-              <a:rPr lang="en-GB" sz="1400" b="1" dirty="0">
-                <a:latin typeface="Courier New" panose="02070309020205020404" pitchFamily="49" charset="0"/>
-                <a:cs typeface="Courier New" panose="02070309020205020404" pitchFamily="49" charset="0"/>
-              </a:rPr>
-              <a:t>            </a:t>
-            </a:r>
-            <a:r>
-              <a:rPr lang="en-GB" sz="1400" b="1" dirty="0" err="1">
-                <a:latin typeface="Courier New" panose="02070309020205020404" pitchFamily="49" charset="0"/>
-                <a:cs typeface="Courier New" panose="02070309020205020404" pitchFamily="49" charset="0"/>
-              </a:rPr>
-              <a:t>href</a:t>
-            </a:r>
-            <a:r>
-              <a:rPr lang="en-GB" sz="1400" b="1" dirty="0">
-                <a:latin typeface="Courier New" panose="02070309020205020404" pitchFamily="49" charset="0"/>
-                <a:cs typeface="Courier New" panose="02070309020205020404" pitchFamily="49" charset="0"/>
-              </a:rPr>
-              <a:t>="file:///.../input/input.zip/demo.html"</a:t>
-            </a:r>
-          </a:p>
-          <a:p>
-            <a:r>
-              <a:rPr lang="en-GB" sz="1400" b="1" dirty="0">
-                <a:latin typeface="Courier New" panose="02070309020205020404" pitchFamily="49" charset="0"/>
-                <a:cs typeface="Courier New" panose="02070309020205020404" pitchFamily="49" charset="0"/>
-              </a:rPr>
-              <a:t>            method="deflated"</a:t>
-            </a:r>
-          </a:p>
-          <a:p>
-            <a:r>
-              <a:rPr lang="en-GB" sz="1400" b="1" dirty="0">
-                <a:latin typeface="Courier New" panose="02070309020205020404" pitchFamily="49" charset="0"/>
-                <a:cs typeface="Courier New" panose="02070309020205020404" pitchFamily="49" charset="0"/>
-              </a:rPr>
-              <a:t>            size="219"</a:t>
-            </a:r>
-          </a:p>
-          <a:p>
-            <a:r>
-              <a:rPr lang="en-GB" sz="1400" b="1" dirty="0">
-                <a:latin typeface="Courier New" panose="02070309020205020404" pitchFamily="49" charset="0"/>
-                <a:cs typeface="Courier New" panose="02070309020205020404" pitchFamily="49" charset="0"/>
-              </a:rPr>
-              <a:t>            compressed-size="150"</a:t>
-            </a:r>
-          </a:p>
-          <a:p>
-            <a:r>
-              <a:rPr lang="en-GB" sz="1400" b="1" dirty="0">
-                <a:latin typeface="Courier New" panose="02070309020205020404" pitchFamily="49" charset="0"/>
-                <a:cs typeface="Courier New" panose="02070309020205020404" pitchFamily="49" charset="0"/>
-              </a:rPr>
-              <a:t>            time="2020-02-06T08:19:06+01:00"/&gt;</a:t>
-            </a:r>
-          </a:p>
-          <a:p>
-            <a:r>
-              <a:rPr lang="en-GB" sz="1400" b="1" dirty="0">
-                <a:latin typeface="Courier New" panose="02070309020205020404" pitchFamily="49" charset="0"/>
-                <a:cs typeface="Courier New" panose="02070309020205020404" pitchFamily="49" charset="0"/>
-              </a:rPr>
-              <a:t>   &lt;</a:t>
-            </a:r>
-            <a:r>
-              <a:rPr lang="en-GB" sz="1400" b="1" dirty="0" err="1">
-                <a:latin typeface="Courier New" panose="02070309020205020404" pitchFamily="49" charset="0"/>
-                <a:cs typeface="Courier New" panose="02070309020205020404" pitchFamily="49" charset="0"/>
-              </a:rPr>
-              <a:t>c:entry</a:t>
-            </a:r>
-            <a:r>
-              <a:rPr lang="en-GB" sz="1400" b="1" dirty="0">
-                <a:latin typeface="Courier New" panose="02070309020205020404" pitchFamily="49" charset="0"/>
-                <a:cs typeface="Courier New" panose="02070309020205020404" pitchFamily="49" charset="0"/>
-              </a:rPr>
-              <a:t> name="</a:t>
-            </a:r>
-            <a:r>
-              <a:rPr lang="en-GB" sz="1400" b="1" dirty="0" err="1">
-                <a:latin typeface="Courier New" panose="02070309020205020404" pitchFamily="49" charset="0"/>
-                <a:cs typeface="Courier New" panose="02070309020205020404" pitchFamily="49" charset="0"/>
-              </a:rPr>
-              <a:t>img</a:t>
-            </a:r>
-            <a:r>
-              <a:rPr lang="en-GB" sz="1400" b="1" dirty="0">
-                <a:latin typeface="Courier New" panose="02070309020205020404" pitchFamily="49" charset="0"/>
-                <a:cs typeface="Courier New" panose="02070309020205020404" pitchFamily="49" charset="0"/>
-              </a:rPr>
-              <a:t>/old.png"</a:t>
-            </a:r>
-          </a:p>
-          <a:p>
-            <a:r>
-              <a:rPr lang="en-GB" sz="1400" b="1" dirty="0">
-                <a:latin typeface="Courier New" panose="02070309020205020404" pitchFamily="49" charset="0"/>
-                <a:cs typeface="Courier New" panose="02070309020205020404" pitchFamily="49" charset="0"/>
-              </a:rPr>
-              <a:t>            </a:t>
-            </a:r>
-            <a:r>
-              <a:rPr lang="en-GB" sz="1400" b="1" dirty="0" err="1">
-                <a:latin typeface="Courier New" panose="02070309020205020404" pitchFamily="49" charset="0"/>
-                <a:cs typeface="Courier New" panose="02070309020205020404" pitchFamily="49" charset="0"/>
-              </a:rPr>
-              <a:t>href</a:t>
-            </a:r>
-            <a:r>
-              <a:rPr lang="en-GB" sz="1400" b="1" dirty="0">
-                <a:latin typeface="Courier New" panose="02070309020205020404" pitchFamily="49" charset="0"/>
-                <a:cs typeface="Courier New" panose="02070309020205020404" pitchFamily="49" charset="0"/>
-              </a:rPr>
-              <a:t>="file:///.../input/input.zip/</a:t>
-            </a:r>
-            <a:r>
-              <a:rPr lang="en-GB" sz="1400" b="1" dirty="0" err="1">
-                <a:latin typeface="Courier New" panose="02070309020205020404" pitchFamily="49" charset="0"/>
-                <a:cs typeface="Courier New" panose="02070309020205020404" pitchFamily="49" charset="0"/>
-              </a:rPr>
-              <a:t>img</a:t>
-            </a:r>
-            <a:r>
-              <a:rPr lang="en-GB" sz="1400" b="1" dirty="0">
-                <a:latin typeface="Courier New" panose="02070309020205020404" pitchFamily="49" charset="0"/>
-                <a:cs typeface="Courier New" panose="02070309020205020404" pitchFamily="49" charset="0"/>
-              </a:rPr>
-              <a:t>/old.png"</a:t>
-            </a:r>
-          </a:p>
-          <a:p>
-            <a:r>
-              <a:rPr lang="en-GB" sz="1400" b="1" dirty="0">
-                <a:latin typeface="Courier New" panose="02070309020205020404" pitchFamily="49" charset="0"/>
-                <a:cs typeface="Courier New" panose="02070309020205020404" pitchFamily="49" charset="0"/>
-              </a:rPr>
-              <a:t>            method="deflated"</a:t>
-            </a:r>
-          </a:p>
-          <a:p>
-            <a:r>
-              <a:rPr lang="en-GB" sz="1400" b="1" dirty="0">
-                <a:latin typeface="Courier New" panose="02070309020205020404" pitchFamily="49" charset="0"/>
-                <a:cs typeface="Courier New" panose="02070309020205020404" pitchFamily="49" charset="0"/>
-              </a:rPr>
-              <a:t>            size="7522"</a:t>
-            </a:r>
-          </a:p>
-          <a:p>
-            <a:r>
-              <a:rPr lang="en-GB" sz="1400" b="1" dirty="0">
-                <a:latin typeface="Courier New" panose="02070309020205020404" pitchFamily="49" charset="0"/>
-                <a:cs typeface="Courier New" panose="02070309020205020404" pitchFamily="49" charset="0"/>
-              </a:rPr>
-              <a:t>            compressed-size="7043"</a:t>
-            </a:r>
-          </a:p>
-          <a:p>
-            <a:r>
-              <a:rPr lang="en-GB" sz="1400" b="1" dirty="0">
-                <a:latin typeface="Courier New" panose="02070309020205020404" pitchFamily="49" charset="0"/>
-                <a:cs typeface="Courier New" panose="02070309020205020404" pitchFamily="49" charset="0"/>
-              </a:rPr>
-              <a:t>            time="2019-03-14T15:22:48+01:00"/&gt;</a:t>
-            </a:r>
-          </a:p>
-          <a:p>
-            <a:r>
-              <a:rPr lang="en-GB" sz="1400" b="1" dirty="0">
-                <a:latin typeface="Courier New" panose="02070309020205020404" pitchFamily="49" charset="0"/>
-                <a:cs typeface="Courier New" panose="02070309020205020404" pitchFamily="49" charset="0"/>
-              </a:rPr>
-              <a:t>&lt;/</a:t>
-            </a:r>
-            <a:r>
-              <a:rPr lang="en-GB" sz="1400" b="1" dirty="0" err="1">
-                <a:latin typeface="Courier New" panose="02070309020205020404" pitchFamily="49" charset="0"/>
-                <a:cs typeface="Courier New" panose="02070309020205020404" pitchFamily="49" charset="0"/>
-              </a:rPr>
-              <a:t>c:archive</a:t>
-            </a:r>
-            <a:r>
-              <a:rPr lang="en-GB" sz="1400" b="1" dirty="0">
-                <a:latin typeface="Courier New" panose="02070309020205020404" pitchFamily="49" charset="0"/>
-                <a:cs typeface="Courier New" panose="02070309020205020404" pitchFamily="49" charset="0"/>
-              </a:rPr>
-              <a:t>&gt;</a:t>
+              <a:t> = file:///.../input/input.zip/demo.html</a:t>
             </a:r>
           </a:p>
         </p:txBody>
@@ -7387,6 +8001,76 @@
           </a:fontRef>
         </p:style>
       </p:cxnSp>
+      <p:sp>
+        <p:nvSpPr>
+          <p:cNvPr id="14" name="TextBox 13">
+            <a:extLst>
+              <a:ext uri="{FF2B5EF4-FFF2-40B4-BE49-F238E27FC236}">
+                <a16:creationId xmlns:a16="http://schemas.microsoft.com/office/drawing/2014/main" id="{A9ECBD08-046B-4997-BD96-1EA305500074}"/>
+              </a:ext>
+            </a:extLst>
+          </p:cNvPr>
+          <p:cNvSpPr txBox="1"/>
+          <p:nvPr/>
+        </p:nvSpPr>
+        <p:spPr>
+          <a:xfrm>
+            <a:off x="853590" y="3096348"/>
+            <a:ext cx="5531655" cy="307777"/>
+          </a:xfrm>
+          <a:prstGeom prst="rect">
+            <a:avLst/>
+          </a:prstGeom>
+          <a:solidFill>
+            <a:schemeClr val="bg1">
+              <a:lumMod val="95000"/>
+            </a:schemeClr>
+          </a:solidFill>
+        </p:spPr>
+        <p:txBody>
+          <a:bodyPr wrap="square" rtlCol="0">
+            <a:spAutoFit/>
+          </a:bodyPr>
+          <a:lstStyle/>
+          <a:p>
+            <a:r>
+              <a:rPr lang="en-GB" sz="1400" b="1" dirty="0">
+                <a:latin typeface="Courier New" panose="02070309020205020404" pitchFamily="49" charset="0"/>
+                <a:cs typeface="Courier New" panose="02070309020205020404" pitchFamily="49" charset="0"/>
+              </a:rPr>
+              <a:t>base-</a:t>
+            </a:r>
+            <a:r>
+              <a:rPr lang="en-GB" sz="1400" b="1" dirty="0" err="1">
+                <a:latin typeface="Courier New" panose="02070309020205020404" pitchFamily="49" charset="0"/>
+                <a:cs typeface="Courier New" panose="02070309020205020404" pitchFamily="49" charset="0"/>
+              </a:rPr>
+              <a:t>uri</a:t>
+            </a:r>
+            <a:r>
+              <a:rPr lang="en-GB" sz="1400" b="1" dirty="0">
+                <a:latin typeface="Courier New" panose="02070309020205020404" pitchFamily="49" charset="0"/>
+                <a:cs typeface="Courier New" panose="02070309020205020404" pitchFamily="49" charset="0"/>
+              </a:rPr>
+              <a:t> = file:///.../input/input.zip/</a:t>
+            </a:r>
+            <a:r>
+              <a:rPr lang="en-GB" sz="1400" b="1" dirty="0" err="1">
+                <a:latin typeface="Courier New" panose="02070309020205020404" pitchFamily="49" charset="0"/>
+                <a:cs typeface="Courier New" panose="02070309020205020404" pitchFamily="49" charset="0"/>
+              </a:rPr>
+              <a:t>img</a:t>
+            </a:r>
+            <a:r>
+              <a:rPr lang="en-GB" sz="1400" b="1" dirty="0">
+                <a:latin typeface="Courier New" panose="02070309020205020404" pitchFamily="49" charset="0"/>
+                <a:cs typeface="Courier New" panose="02070309020205020404" pitchFamily="49" charset="0"/>
+              </a:rPr>
+              <a:t>/old.png</a:t>
+            </a:r>
+          </a:p>
+        </p:txBody>
+      </p:sp>
     </p:spTree>
     <p:extLst>
       <p:ext uri="{BB962C8B-B14F-4D97-AF65-F5344CB8AC3E}">
@@ -7439,7 +8123,7 @@
         </p:blipFill>
         <p:spPr>
           <a:xfrm>
-            <a:off x="6887430" y="373336"/>
+            <a:off x="7962407" y="471466"/>
             <a:ext cx="1184898" cy="1166668"/>
           </a:xfrm>
           <a:prstGeom prst="rect">
@@ -7466,7 +8150,7 @@
         </p:nvSpPr>
         <p:spPr>
           <a:xfrm>
-            <a:off x="6414523" y="2271193"/>
+            <a:off x="7489500" y="2369323"/>
             <a:ext cx="2149490" cy="338025"/>
           </a:xfrm>
           <a:prstGeom prst="roundRect">
@@ -7516,7 +8200,7 @@
         </p:nvSpPr>
         <p:spPr>
           <a:xfrm>
-            <a:off x="7293532" y="2735617"/>
+            <a:off x="8368509" y="2833747"/>
             <a:ext cx="372694" cy="1268675"/>
           </a:xfrm>
           <a:prstGeom prst="downArrow">
@@ -7562,7 +8246,7 @@
         </p:nvSpPr>
         <p:spPr>
           <a:xfrm>
-            <a:off x="6045438" y="2839624"/>
+            <a:off x="7120415" y="2937754"/>
             <a:ext cx="1174419" cy="736721"/>
           </a:xfrm>
           <a:prstGeom prst="flowChartMultidocument">
@@ -7611,7 +8295,7 @@
         </p:nvSpPr>
         <p:spPr>
           <a:xfrm>
-            <a:off x="7365758" y="1624660"/>
+            <a:off x="8440735" y="1722790"/>
             <a:ext cx="247019" cy="581167"/>
           </a:xfrm>
           <a:prstGeom prst="downArrow">
@@ -7657,7 +8341,7 @@
         </p:nvSpPr>
         <p:spPr>
           <a:xfrm>
-            <a:off x="6414523" y="4130691"/>
+            <a:off x="7489500" y="4228821"/>
             <a:ext cx="2149490" cy="338025"/>
           </a:xfrm>
           <a:prstGeom prst="roundRect">
@@ -7707,7 +8391,7 @@
         </p:nvSpPr>
         <p:spPr>
           <a:xfrm>
-            <a:off x="7293532" y="4642784"/>
+            <a:off x="8368509" y="4740914"/>
             <a:ext cx="372694" cy="696271"/>
           </a:xfrm>
           <a:prstGeom prst="downArrow">
@@ -7753,7 +8437,7 @@
         </p:nvSpPr>
         <p:spPr>
           <a:xfrm>
-            <a:off x="5932767" y="4595115"/>
+            <a:off x="7007744" y="4693245"/>
             <a:ext cx="1306594" cy="791611"/>
           </a:xfrm>
           <a:prstGeom prst="flowChartMultidocument">
@@ -7797,6 +8481,377 @@
                 <a:schemeClr val="tx1"/>
               </a:solidFill>
             </a:endParaRPr>
+          </a:p>
+        </p:txBody>
+      </p:sp>
+      <p:sp>
+        <p:nvSpPr>
+          <p:cNvPr id="10" name="TextBox 9">
+            <a:extLst>
+              <a:ext uri="{FF2B5EF4-FFF2-40B4-BE49-F238E27FC236}">
+                <a16:creationId xmlns:a16="http://schemas.microsoft.com/office/drawing/2014/main" id="{21244653-6439-4858-832D-A5EC08DF9924}"/>
+              </a:ext>
+            </a:extLst>
+          </p:cNvPr>
+          <p:cNvSpPr txBox="1"/>
+          <p:nvPr/>
+        </p:nvSpPr>
+        <p:spPr>
+          <a:xfrm>
+            <a:off x="668917" y="2786677"/>
+            <a:ext cx="6101778" cy="2631490"/>
+          </a:xfrm>
+          <a:prstGeom prst="rect">
+            <a:avLst/>
+          </a:prstGeom>
+          <a:solidFill>
+            <a:schemeClr val="bg1">
+              <a:lumMod val="95000"/>
+            </a:schemeClr>
+          </a:solidFill>
+        </p:spPr>
+        <p:txBody>
+          <a:bodyPr wrap="square" rtlCol="0">
+            <a:spAutoFit/>
+          </a:bodyPr>
+          <a:lstStyle/>
+          <a:p>
+            <a:r>
+              <a:rPr lang="en-GB" sz="1100" b="1" dirty="0">
+                <a:latin typeface="Courier New" panose="02070309020205020404" pitchFamily="49" charset="0"/>
+                <a:cs typeface="Courier New" panose="02070309020205020404" pitchFamily="49" charset="0"/>
+              </a:rPr>
+              <a:t>&lt;html </a:t>
+            </a:r>
+            <a:r>
+              <a:rPr lang="en-GB" sz="1100" b="1" dirty="0" err="1">
+                <a:latin typeface="Courier New" panose="02070309020205020404" pitchFamily="49" charset="0"/>
+                <a:cs typeface="Courier New" panose="02070309020205020404" pitchFamily="49" charset="0"/>
+              </a:rPr>
+              <a:t>xmlns</a:t>
+            </a:r>
+            <a:r>
+              <a:rPr lang="en-GB" sz="1100" b="1" dirty="0">
+                <a:latin typeface="Courier New" panose="02070309020205020404" pitchFamily="49" charset="0"/>
+                <a:cs typeface="Courier New" panose="02070309020205020404" pitchFamily="49" charset="0"/>
+              </a:rPr>
+              <a:t>="http://www.w3.org/1999/xhtml"&gt;</a:t>
+            </a:r>
+          </a:p>
+          <a:p>
+            <a:r>
+              <a:rPr lang="en-GB" sz="1100" b="1" dirty="0">
+                <a:latin typeface="Courier New" panose="02070309020205020404" pitchFamily="49" charset="0"/>
+                <a:cs typeface="Courier New" panose="02070309020205020404" pitchFamily="49" charset="0"/>
+              </a:rPr>
+              <a:t>  &lt;head&gt;</a:t>
+            </a:r>
+          </a:p>
+          <a:p>
+            <a:r>
+              <a:rPr lang="en-GB" sz="1100" b="1" dirty="0">
+                <a:latin typeface="Courier New" panose="02070309020205020404" pitchFamily="49" charset="0"/>
+                <a:cs typeface="Courier New" panose="02070309020205020404" pitchFamily="49" charset="0"/>
+              </a:rPr>
+              <a:t>    &lt;title&gt;XProc demo file&lt;/title&gt;</a:t>
+            </a:r>
+          </a:p>
+          <a:p>
+            <a:r>
+              <a:rPr lang="en-GB" sz="1100" b="1" dirty="0">
+                <a:latin typeface="Courier New" panose="02070309020205020404" pitchFamily="49" charset="0"/>
+                <a:cs typeface="Courier New" panose="02070309020205020404" pitchFamily="49" charset="0"/>
+              </a:rPr>
+              <a:t>  &lt;/head&gt;</a:t>
+            </a:r>
+          </a:p>
+          <a:p>
+            <a:r>
+              <a:rPr lang="en-GB" sz="1100" b="1" dirty="0">
+                <a:latin typeface="Courier New" panose="02070309020205020404" pitchFamily="49" charset="0"/>
+                <a:cs typeface="Courier New" panose="02070309020205020404" pitchFamily="49" charset="0"/>
+              </a:rPr>
+              <a:t>  &lt;body&gt;</a:t>
+            </a:r>
+          </a:p>
+          <a:p>
+            <a:r>
+              <a:rPr lang="en-GB" sz="1100" b="1" dirty="0">
+                <a:latin typeface="Courier New" panose="02070309020205020404" pitchFamily="49" charset="0"/>
+                <a:cs typeface="Courier New" panose="02070309020205020404" pitchFamily="49" charset="0"/>
+              </a:rPr>
+              <a:t>    &lt;p&gt;The old logo:&lt;/p&gt;</a:t>
+            </a:r>
+          </a:p>
+          <a:p>
+            <a:r>
+              <a:rPr lang="en-GB" sz="1100" b="1" dirty="0">
+                <a:latin typeface="Courier New" panose="02070309020205020404" pitchFamily="49" charset="0"/>
+                <a:cs typeface="Courier New" panose="02070309020205020404" pitchFamily="49" charset="0"/>
+              </a:rPr>
+              <a:t>    &lt;p&gt;</a:t>
+            </a:r>
+          </a:p>
+          <a:p>
+            <a:r>
+              <a:rPr lang="en-GB" sz="1100" b="1" dirty="0">
+                <a:latin typeface="Courier New" panose="02070309020205020404" pitchFamily="49" charset="0"/>
+                <a:cs typeface="Courier New" panose="02070309020205020404" pitchFamily="49" charset="0"/>
+              </a:rPr>
+              <a:t>      &lt;</a:t>
+            </a:r>
+            <a:r>
+              <a:rPr lang="en-GB" sz="1100" b="1" dirty="0" err="1">
+                <a:latin typeface="Courier New" panose="02070309020205020404" pitchFamily="49" charset="0"/>
+                <a:cs typeface="Courier New" panose="02070309020205020404" pitchFamily="49" charset="0"/>
+              </a:rPr>
+              <a:t>img</a:t>
+            </a:r>
+            <a:r>
+              <a:rPr lang="en-GB" sz="1100" b="1" dirty="0">
+                <a:latin typeface="Courier New" panose="02070309020205020404" pitchFamily="49" charset="0"/>
+                <a:cs typeface="Courier New" panose="02070309020205020404" pitchFamily="49" charset="0"/>
+              </a:rPr>
+              <a:t> </a:t>
+            </a:r>
+            <a:r>
+              <a:rPr lang="en-GB" sz="1100" b="1" dirty="0" err="1">
+                <a:latin typeface="Courier New" panose="02070309020205020404" pitchFamily="49" charset="0"/>
+                <a:cs typeface="Courier New" panose="02070309020205020404" pitchFamily="49" charset="0"/>
+              </a:rPr>
+              <a:t>src</a:t>
+            </a:r>
+            <a:r>
+              <a:rPr lang="en-GB" sz="1100" b="1" dirty="0">
+                <a:latin typeface="Courier New" panose="02070309020205020404" pitchFamily="49" charset="0"/>
+                <a:cs typeface="Courier New" panose="02070309020205020404" pitchFamily="49" charset="0"/>
+              </a:rPr>
+              <a:t>="</a:t>
+            </a:r>
+            <a:r>
+              <a:rPr lang="en-GB" sz="1100" b="1" dirty="0" err="1">
+                <a:latin typeface="Courier New" panose="02070309020205020404" pitchFamily="49" charset="0"/>
+                <a:cs typeface="Courier New" panose="02070309020205020404" pitchFamily="49" charset="0"/>
+              </a:rPr>
+              <a:t>img</a:t>
+            </a:r>
+            <a:r>
+              <a:rPr lang="en-GB" sz="1100" b="1" dirty="0">
+                <a:latin typeface="Courier New" panose="02070309020205020404" pitchFamily="49" charset="0"/>
+                <a:cs typeface="Courier New" panose="02070309020205020404" pitchFamily="49" charset="0"/>
+              </a:rPr>
+              <a:t>/old.png" alt="Old XProc logo" /&gt;</a:t>
+            </a:r>
+          </a:p>
+          <a:p>
+            <a:r>
+              <a:rPr lang="en-GB" sz="1100" b="1" dirty="0">
+                <a:latin typeface="Courier New" panose="02070309020205020404" pitchFamily="49" charset="0"/>
+                <a:cs typeface="Courier New" panose="02070309020205020404" pitchFamily="49" charset="0"/>
+              </a:rPr>
+              <a:t>    &lt;/p&gt;</a:t>
+            </a:r>
+          </a:p>
+          <a:p>
+            <a:r>
+              <a:rPr lang="en-GB" sz="1100" b="1" dirty="0">
+                <a:latin typeface="Courier New" panose="02070309020205020404" pitchFamily="49" charset="0"/>
+                <a:cs typeface="Courier New" panose="02070309020205020404" pitchFamily="49" charset="0"/>
+              </a:rPr>
+              <a:t>    &lt;p&gt;New logo:&lt;/p&gt;</a:t>
+            </a:r>
+          </a:p>
+          <a:p>
+            <a:r>
+              <a:rPr lang="en-GB" sz="1100" b="1" dirty="0">
+                <a:latin typeface="Courier New" panose="02070309020205020404" pitchFamily="49" charset="0"/>
+                <a:cs typeface="Courier New" panose="02070309020205020404" pitchFamily="49" charset="0"/>
+              </a:rPr>
+              <a:t>    &lt;p&gt;</a:t>
+            </a:r>
+          </a:p>
+          <a:p>
+            <a:r>
+              <a:rPr lang="en-GB" sz="1100" b="1" dirty="0">
+                <a:latin typeface="Courier New" panose="02070309020205020404" pitchFamily="49" charset="0"/>
+                <a:cs typeface="Courier New" panose="02070309020205020404" pitchFamily="49" charset="0"/>
+              </a:rPr>
+              <a:t>      &lt;</a:t>
+            </a:r>
+            <a:r>
+              <a:rPr lang="en-GB" sz="1100" b="1" dirty="0" err="1">
+                <a:latin typeface="Courier New" panose="02070309020205020404" pitchFamily="49" charset="0"/>
+                <a:cs typeface="Courier New" panose="02070309020205020404" pitchFamily="49" charset="0"/>
+              </a:rPr>
+              <a:t>img</a:t>
+            </a:r>
+            <a:r>
+              <a:rPr lang="en-GB" sz="1100" b="1" dirty="0">
+                <a:latin typeface="Courier New" panose="02070309020205020404" pitchFamily="49" charset="0"/>
+                <a:cs typeface="Courier New" panose="02070309020205020404" pitchFamily="49" charset="0"/>
+              </a:rPr>
+              <a:t> </a:t>
+            </a:r>
+            <a:r>
+              <a:rPr lang="en-GB" sz="1100" b="1" dirty="0" err="1">
+                <a:latin typeface="Courier New" panose="02070309020205020404" pitchFamily="49" charset="0"/>
+                <a:cs typeface="Courier New" panose="02070309020205020404" pitchFamily="49" charset="0"/>
+              </a:rPr>
+              <a:t>src</a:t>
+            </a:r>
+            <a:r>
+              <a:rPr lang="en-GB" sz="1100" b="1" dirty="0">
+                <a:latin typeface="Courier New" panose="02070309020205020404" pitchFamily="49" charset="0"/>
+                <a:cs typeface="Courier New" panose="02070309020205020404" pitchFamily="49" charset="0"/>
+              </a:rPr>
+              <a:t>="</a:t>
+            </a:r>
+            <a:r>
+              <a:rPr lang="en-GB" sz="1100" b="1" dirty="0" err="1">
+                <a:latin typeface="Courier New" panose="02070309020205020404" pitchFamily="49" charset="0"/>
+                <a:cs typeface="Courier New" panose="02070309020205020404" pitchFamily="49" charset="0"/>
+              </a:rPr>
+              <a:t>img</a:t>
+            </a:r>
+            <a:r>
+              <a:rPr lang="en-GB" sz="1100" b="1" dirty="0">
+                <a:latin typeface="Courier New" panose="02070309020205020404" pitchFamily="49" charset="0"/>
+                <a:cs typeface="Courier New" panose="02070309020205020404" pitchFamily="49" charset="0"/>
+              </a:rPr>
+              <a:t>/kanava.jpg" alt="New XProc logo" width="10%"/&gt;</a:t>
+            </a:r>
+          </a:p>
+          <a:p>
+            <a:r>
+              <a:rPr lang="en-GB" sz="1100" b="1" dirty="0">
+                <a:latin typeface="Courier New" panose="02070309020205020404" pitchFamily="49" charset="0"/>
+                <a:cs typeface="Courier New" panose="02070309020205020404" pitchFamily="49" charset="0"/>
+              </a:rPr>
+              <a:t>    &lt;/p&gt;</a:t>
+            </a:r>
+          </a:p>
+          <a:p>
+            <a:r>
+              <a:rPr lang="en-GB" sz="1100" b="1" dirty="0">
+                <a:latin typeface="Courier New" panose="02070309020205020404" pitchFamily="49" charset="0"/>
+                <a:cs typeface="Courier New" panose="02070309020205020404" pitchFamily="49" charset="0"/>
+              </a:rPr>
+              <a:t>  &lt;/body&gt;</a:t>
+            </a:r>
+          </a:p>
+          <a:p>
+            <a:r>
+              <a:rPr lang="en-GB" sz="1100" b="1" dirty="0">
+                <a:latin typeface="Courier New" panose="02070309020205020404" pitchFamily="49" charset="0"/>
+                <a:cs typeface="Courier New" panose="02070309020205020404" pitchFamily="49" charset="0"/>
+              </a:rPr>
+              <a:t>&lt;/html&gt;</a:t>
+            </a:r>
+          </a:p>
+        </p:txBody>
+      </p:sp>
+      <p:sp>
+        <p:nvSpPr>
+          <p:cNvPr id="11" name="Oval 10">
+            <a:extLst>
+              <a:ext uri="{FF2B5EF4-FFF2-40B4-BE49-F238E27FC236}">
+                <a16:creationId xmlns:a16="http://schemas.microsoft.com/office/drawing/2014/main" id="{BB1D8C66-6A0D-468C-B0EB-983E562D465B}"/>
+              </a:ext>
+            </a:extLst>
+          </p:cNvPr>
+          <p:cNvSpPr/>
+          <p:nvPr/>
+        </p:nvSpPr>
+        <p:spPr>
+          <a:xfrm>
+            <a:off x="635457" y="4110693"/>
+            <a:ext cx="5887418" cy="1113348"/>
+          </a:xfrm>
+          <a:prstGeom prst="ellipse">
+            <a:avLst/>
+          </a:prstGeom>
+          <a:solidFill>
+            <a:schemeClr val="accent2">
+              <a:alpha val="31000"/>
+            </a:schemeClr>
+          </a:solidFill>
+        </p:spPr>
+        <p:style>
+          <a:lnRef idx="2">
+            <a:schemeClr val="accent1">
+              <a:shade val="50000"/>
+            </a:schemeClr>
+          </a:lnRef>
+          <a:fillRef idx="1">
+            <a:schemeClr val="accent1"/>
+          </a:fillRef>
+          <a:effectRef idx="0">
+            <a:schemeClr val="accent1"/>
+          </a:effectRef>
+          <a:fontRef idx="minor">
+            <a:schemeClr val="lt1"/>
+          </a:fontRef>
+        </p:style>
+        <p:txBody>
+          <a:bodyPr rtlCol="0" anchor="ctr"/>
+          <a:lstStyle/>
+          <a:p>
+            <a:pPr algn="ctr"/>
+            <a:endParaRPr lang="en-GB"/>
+          </a:p>
+        </p:txBody>
+      </p:sp>
+      <p:sp>
+        <p:nvSpPr>
+          <p:cNvPr id="13" name="TextBox 12">
+            <a:extLst>
+              <a:ext uri="{FF2B5EF4-FFF2-40B4-BE49-F238E27FC236}">
+                <a16:creationId xmlns:a16="http://schemas.microsoft.com/office/drawing/2014/main" id="{49548880-BF87-4709-A08A-17F50E3B1A21}"/>
+              </a:ext>
+            </a:extLst>
+          </p:cNvPr>
+          <p:cNvSpPr txBox="1"/>
+          <p:nvPr/>
+        </p:nvSpPr>
+        <p:spPr>
+          <a:xfrm>
+            <a:off x="5746750" y="5741680"/>
+            <a:ext cx="5542744" cy="461665"/>
+          </a:xfrm>
+          <a:prstGeom prst="rect">
+            <a:avLst/>
+          </a:prstGeom>
+          <a:noFill/>
+        </p:spPr>
+        <p:txBody>
+          <a:bodyPr wrap="square" rtlCol="0">
+            <a:spAutoFit/>
+          </a:bodyPr>
+          <a:lstStyle/>
+          <a:p>
+            <a:r>
+              <a:rPr lang="en-US" sz="2400" dirty="0"/>
+              <a:t>No changes in  </a:t>
+            </a:r>
+            <a:r>
+              <a:rPr lang="en-US" sz="2400" b="1" dirty="0">
+                <a:latin typeface="Courier New" panose="02070309020205020404" pitchFamily="49" charset="0"/>
+                <a:cs typeface="Courier New" panose="02070309020205020404" pitchFamily="49" charset="0"/>
+              </a:rPr>
+              <a:t>base-</a:t>
+            </a:r>
+            <a:r>
+              <a:rPr lang="en-US" sz="2400" b="1" dirty="0" err="1">
+                <a:latin typeface="Courier New" panose="02070309020205020404" pitchFamily="49" charset="0"/>
+                <a:cs typeface="Courier New" panose="02070309020205020404" pitchFamily="49" charset="0"/>
+              </a:rPr>
+              <a:t>uri</a:t>
+            </a:r>
+            <a:r>
+              <a:rPr lang="en-US" sz="2400" dirty="0"/>
+              <a:t> properties!</a:t>
+            </a:r>
+            <a:endParaRPr lang="en-GB" sz="2400" dirty="0"/>
           </a:p>
         </p:txBody>
       </p:sp>
@@ -8706,13 +9761,30 @@
             </a:pPr>
             <a:r>
               <a:rPr lang="en-US" dirty="0"/>
-              <a:t>Match files on the source port with the files in the manifest, by base-</a:t>
-            </a:r>
-            <a:r>
-              <a:rPr lang="en-US" dirty="0" err="1"/>
+              <a:t>Match documents in the manifest with documents on the source port, by </a:t>
+            </a:r>
+            <a:r>
+              <a:rPr lang="en-US" sz="1600" b="1" dirty="0">
+                <a:latin typeface="Courier New" panose="02070309020205020404" pitchFamily="49" charset="0"/>
+                <a:cs typeface="Courier New" panose="02070309020205020404" pitchFamily="49" charset="0"/>
+              </a:rPr>
+              <a:t>base-</a:t>
+            </a:r>
+            <a:r>
+              <a:rPr lang="en-US" sz="1600" b="1" dirty="0" err="1">
+                <a:latin typeface="Courier New" panose="02070309020205020404" pitchFamily="49" charset="0"/>
+                <a:cs typeface="Courier New" panose="02070309020205020404" pitchFamily="49" charset="0"/>
+              </a:rPr>
               <a:t>uri</a:t>
             </a:r>
-            <a:endParaRPr lang="en-US" dirty="0"/>
+            <a:r>
+              <a:rPr lang="en-US" dirty="0"/>
+              <a:t> property</a:t>
+            </a:r>
+            <a:endParaRPr lang="en-US" sz="1600" b="1" dirty="0">
+              <a:latin typeface="Courier New" panose="02070309020205020404" pitchFamily="49" charset="0"/>
+              <a:cs typeface="Courier New" panose="02070309020205020404" pitchFamily="49" charset="0"/>
+            </a:endParaRPr>
           </a:p>
           <a:p>
             <a:pPr marL="285750" indent="-285750">
@@ -8721,13 +9793,26 @@
             </a:pPr>
             <a:r>
               <a:rPr lang="en-US" dirty="0"/>
-              <a:t>If not, try to load from URI in manifest @</a:t>
-            </a:r>
-            <a:r>
-              <a:rPr lang="en-US" dirty="0" err="1"/>
+              <a:t>If not, try to load from URI in manifest </a:t>
+            </a:r>
+            <a:r>
+              <a:rPr lang="en-US" sz="1600" b="1" dirty="0">
+                <a:latin typeface="Courier New" panose="02070309020205020404" pitchFamily="49" charset="0"/>
+                <a:cs typeface="Courier New" panose="02070309020205020404" pitchFamily="49" charset="0"/>
+              </a:rPr>
+              <a:t>@</a:t>
+            </a:r>
+            <a:r>
+              <a:rPr lang="en-US" sz="1600" b="1" dirty="0" err="1">
+                <a:latin typeface="Courier New" panose="02070309020205020404" pitchFamily="49" charset="0"/>
+                <a:cs typeface="Courier New" panose="02070309020205020404" pitchFamily="49" charset="0"/>
+              </a:rPr>
               <a:t>href</a:t>
             </a:r>
-            <a:endParaRPr lang="en-GB" dirty="0"/>
+            <a:endParaRPr lang="en-GB" sz="1600" b="1" dirty="0">
+              <a:latin typeface="Courier New" panose="02070309020205020404" pitchFamily="49" charset="0"/>
+              <a:cs typeface="Courier New" panose="02070309020205020404" pitchFamily="49" charset="0"/>
+            </a:endParaRPr>
           </a:p>
         </p:txBody>
       </p:sp>
@@ -9086,6 +10171,270 @@
   <p:clrMapOvr>
     <a:masterClrMapping/>
   </p:clrMapOvr>
+  <p:timing>
+    <p:tnLst>
+      <p:par>
+        <p:cTn id="1" dur="indefinite" restart="never" nodeType="tmRoot">
+          <p:childTnLst>
+            <p:seq concurrent="1" nextAc="seek">
+              <p:cTn id="2" dur="indefinite" nodeType="mainSeq">
+                <p:childTnLst>
+                  <p:par>
+                    <p:cTn id="3" fill="hold">
+                      <p:stCondLst>
+                        <p:cond delay="indefinite"/>
+                      </p:stCondLst>
+                      <p:childTnLst>
+                        <p:par>
+                          <p:cTn id="4" fill="hold">
+                            <p:stCondLst>
+                              <p:cond delay="0"/>
+                            </p:stCondLst>
+                            <p:childTnLst>
+                              <p:par>
+                                <p:cTn id="5" presetID="1" presetClass="entr" presetSubtype="0" fill="hold" grpId="0" nodeType="clickEffect">
+                                  <p:stCondLst>
+                                    <p:cond delay="0"/>
+                                  </p:stCondLst>
+                                  <p:childTnLst>
+                                    <p:set>
+                                      <p:cBhvr>
+                                        <p:cTn id="6" dur="1" fill="hold">
+                                          <p:stCondLst>
+                                            <p:cond delay="0"/>
+                                          </p:stCondLst>
+                                        </p:cTn>
+                                        <p:tgtEl>
+                                          <p:spTgt spid="10"/>
+                                        </p:tgtEl>
+                                        <p:attrNameLst>
+                                          <p:attrName>style.visibility</p:attrName>
+                                        </p:attrNameLst>
+                                      </p:cBhvr>
+                                      <p:to>
+                                        <p:strVal val="visible"/>
+                                      </p:to>
+                                    </p:set>
+                                  </p:childTnLst>
+                                </p:cTn>
+                              </p:par>
+                              <p:par>
+                                <p:cTn id="7" presetID="1" presetClass="entr" presetSubtype="0" fill="hold" grpId="0" nodeType="withEffect">
+                                  <p:stCondLst>
+                                    <p:cond delay="0"/>
+                                  </p:stCondLst>
+                                  <p:childTnLst>
+                                    <p:set>
+                                      <p:cBhvr>
+                                        <p:cTn id="8" dur="1" fill="hold">
+                                          <p:stCondLst>
+                                            <p:cond delay="0"/>
+                                          </p:stCondLst>
+                                        </p:cTn>
+                                        <p:tgtEl>
+                                          <p:spTgt spid="8"/>
+                                        </p:tgtEl>
+                                        <p:attrNameLst>
+                                          <p:attrName>style.visibility</p:attrName>
+                                        </p:attrNameLst>
+                                      </p:cBhvr>
+                                      <p:to>
+                                        <p:strVal val="visible"/>
+                                      </p:to>
+                                    </p:set>
+                                  </p:childTnLst>
+                                </p:cTn>
+                              </p:par>
+                              <p:par>
+                                <p:cTn id="9" presetID="1" presetClass="entr" presetSubtype="0" fill="hold" grpId="0" nodeType="withEffect">
+                                  <p:stCondLst>
+                                    <p:cond delay="0"/>
+                                  </p:stCondLst>
+                                  <p:childTnLst>
+                                    <p:set>
+                                      <p:cBhvr>
+                                        <p:cTn id="10" dur="1" fill="hold">
+                                          <p:stCondLst>
+                                            <p:cond delay="0"/>
+                                          </p:stCondLst>
+                                        </p:cTn>
+                                        <p:tgtEl>
+                                          <p:spTgt spid="11"/>
+                                        </p:tgtEl>
+                                        <p:attrNameLst>
+                                          <p:attrName>style.visibility</p:attrName>
+                                        </p:attrNameLst>
+                                      </p:cBhvr>
+                                      <p:to>
+                                        <p:strVal val="visible"/>
+                                      </p:to>
+                                    </p:set>
+                                  </p:childTnLst>
+                                </p:cTn>
+                              </p:par>
+                              <p:par>
+                                <p:cTn id="11" presetID="1" presetClass="entr" presetSubtype="0" fill="hold" grpId="0" nodeType="withEffect">
+                                  <p:stCondLst>
+                                    <p:cond delay="0"/>
+                                  </p:stCondLst>
+                                  <p:childTnLst>
+                                    <p:set>
+                                      <p:cBhvr>
+                                        <p:cTn id="12" dur="1" fill="hold">
+                                          <p:stCondLst>
+                                            <p:cond delay="0"/>
+                                          </p:stCondLst>
+                                        </p:cTn>
+                                        <p:tgtEl>
+                                          <p:spTgt spid="9"/>
+                                        </p:tgtEl>
+                                        <p:attrNameLst>
+                                          <p:attrName>style.visibility</p:attrName>
+                                        </p:attrNameLst>
+                                      </p:cBhvr>
+                                      <p:to>
+                                        <p:strVal val="visible"/>
+                                      </p:to>
+                                    </p:set>
+                                  </p:childTnLst>
+                                </p:cTn>
+                              </p:par>
+                              <p:par>
+                                <p:cTn id="13" presetID="1" presetClass="entr" presetSubtype="0" fill="hold" grpId="0" nodeType="withEffect">
+                                  <p:stCondLst>
+                                    <p:cond delay="0"/>
+                                  </p:stCondLst>
+                                  <p:childTnLst>
+                                    <p:set>
+                                      <p:cBhvr>
+                                        <p:cTn id="14" dur="1" fill="hold">
+                                          <p:stCondLst>
+                                            <p:cond delay="0"/>
+                                          </p:stCondLst>
+                                        </p:cTn>
+                                        <p:tgtEl>
+                                          <p:spTgt spid="6"/>
+                                        </p:tgtEl>
+                                        <p:attrNameLst>
+                                          <p:attrName>style.visibility</p:attrName>
+                                        </p:attrNameLst>
+                                      </p:cBhvr>
+                                      <p:to>
+                                        <p:strVal val="visible"/>
+                                      </p:to>
+                                    </p:set>
+                                  </p:childTnLst>
+                                </p:cTn>
+                              </p:par>
+                            </p:childTnLst>
+                          </p:cTn>
+                        </p:par>
+                      </p:childTnLst>
+                    </p:cTn>
+                  </p:par>
+                  <p:par>
+                    <p:cTn id="15" fill="hold">
+                      <p:stCondLst>
+                        <p:cond delay="indefinite"/>
+                      </p:stCondLst>
+                      <p:childTnLst>
+                        <p:par>
+                          <p:cTn id="16" fill="hold">
+                            <p:stCondLst>
+                              <p:cond delay="0"/>
+                            </p:stCondLst>
+                            <p:childTnLst>
+                              <p:par>
+                                <p:cTn id="17" presetID="1" presetClass="entr" presetSubtype="0" fill="hold" grpId="0" nodeType="clickEffect">
+                                  <p:stCondLst>
+                                    <p:cond delay="0"/>
+                                  </p:stCondLst>
+                                  <p:childTnLst>
+                                    <p:set>
+                                      <p:cBhvr>
+                                        <p:cTn id="18" dur="1" fill="hold">
+                                          <p:stCondLst>
+                                            <p:cond delay="0"/>
+                                          </p:stCondLst>
+                                        </p:cTn>
+                                        <p:tgtEl>
+                                          <p:spTgt spid="20"/>
+                                        </p:tgtEl>
+                                        <p:attrNameLst>
+                                          <p:attrName>style.visibility</p:attrName>
+                                        </p:attrNameLst>
+                                      </p:cBhvr>
+                                      <p:to>
+                                        <p:strVal val="visible"/>
+                                      </p:to>
+                                    </p:set>
+                                  </p:childTnLst>
+                                </p:cTn>
+                              </p:par>
+                              <p:par>
+                                <p:cTn id="19" presetID="1" presetClass="entr" presetSubtype="0" fill="hold" grpId="0" nodeType="withEffect">
+                                  <p:stCondLst>
+                                    <p:cond delay="0"/>
+                                  </p:stCondLst>
+                                  <p:childTnLst>
+                                    <p:set>
+                                      <p:cBhvr>
+                                        <p:cTn id="20" dur="1" fill="hold">
+                                          <p:stCondLst>
+                                            <p:cond delay="0"/>
+                                          </p:stCondLst>
+                                        </p:cTn>
+                                        <p:tgtEl>
+                                          <p:spTgt spid="21"/>
+                                        </p:tgtEl>
+                                        <p:attrNameLst>
+                                          <p:attrName>style.visibility</p:attrName>
+                                        </p:attrNameLst>
+                                      </p:cBhvr>
+                                      <p:to>
+                                        <p:strVal val="visible"/>
+                                      </p:to>
+                                    </p:set>
+                                  </p:childTnLst>
+                                </p:cTn>
+                              </p:par>
+                            </p:childTnLst>
+                          </p:cTn>
+                        </p:par>
+                      </p:childTnLst>
+                    </p:cTn>
+                  </p:par>
+                </p:childTnLst>
+              </p:cTn>
+              <p:prevCondLst>
+                <p:cond evt="onPrev" delay="0">
+                  <p:tgtEl>
+                    <p:sldTgt/>
+                  </p:tgtEl>
+                </p:cond>
+              </p:prevCondLst>
+              <p:nextCondLst>
+                <p:cond evt="onNext" delay="0">
+                  <p:tgtEl>
+                    <p:sldTgt/>
+                  </p:tgtEl>
+                </p:cond>
+              </p:nextCondLst>
+            </p:seq>
+          </p:childTnLst>
+        </p:cTn>
+      </p:par>
+    </p:tnLst>
+    <p:bldLst>
+      <p:bldP spid="8" grpId="0" animBg="1"/>
+      <p:bldP spid="9" grpId="0" animBg="1"/>
+      <p:bldP spid="10" grpId="0" animBg="1"/>
+      <p:bldP spid="11" grpId="0" animBg="1"/>
+      <p:bldP spid="6" grpId="0" animBg="1"/>
+      <p:bldP spid="20" grpId="0"/>
+      <p:bldP spid="21" grpId="0" animBg="1"/>
+    </p:bldLst>
+  </p:timing>
 </p:sld>
 </file>
 
@@ -9868,6 +11217,86 @@
           </a:p>
         </p:txBody>
       </p:sp>
+      <p:sp>
+        <p:nvSpPr>
+          <p:cNvPr id="19" name="TextBox 18">
+            <a:extLst>
+              <a:ext uri="{FF2B5EF4-FFF2-40B4-BE49-F238E27FC236}">
+                <a16:creationId xmlns:a16="http://schemas.microsoft.com/office/drawing/2014/main" id="{E21F637D-6232-404C-8354-BFC43476E18D}"/>
+              </a:ext>
+            </a:extLst>
+          </p:cNvPr>
+          <p:cNvSpPr txBox="1"/>
+          <p:nvPr/>
+        </p:nvSpPr>
+        <p:spPr>
+          <a:xfrm>
+            <a:off x="5170123" y="503204"/>
+            <a:ext cx="10016314" cy="707886"/>
+          </a:xfrm>
+          <a:prstGeom prst="rect">
+            <a:avLst/>
+          </a:prstGeom>
+          <a:noFill/>
+        </p:spPr>
+        <p:txBody>
+          <a:bodyPr wrap="square" rtlCol="0">
+            <a:spAutoFit/>
+          </a:bodyPr>
+          <a:lstStyle/>
+          <a:p>
+            <a:r>
+              <a:rPr lang="en-US" sz="2000" dirty="0"/>
+              <a:t>Source &amp; presentation: </a:t>
+            </a:r>
+          </a:p>
+          <a:p>
+            <a:r>
+              <a:rPr lang="en-GB" sz="2000" dirty="0">
+                <a:hlinkClick r:id="rId3"/>
+              </a:rPr>
+              <a:t>https://github.com/xatapult/working-with-zip-demo-prague-2020</a:t>
+            </a:r>
+            <a:endParaRPr lang="en-GB" sz="2000" dirty="0"/>
+          </a:p>
+        </p:txBody>
+      </p:sp>
+      <p:pic>
+        <p:nvPicPr>
+          <p:cNvPr id="4" name="Picture 3">
+            <a:extLst>
+              <a:ext uri="{FF2B5EF4-FFF2-40B4-BE49-F238E27FC236}">
+                <a16:creationId xmlns:a16="http://schemas.microsoft.com/office/drawing/2014/main" id="{015269DD-DBD9-43F5-AA39-76DED4989583}"/>
+              </a:ext>
+            </a:extLst>
+          </p:cNvPr>
+          <p:cNvPicPr>
+            <a:picLocks noChangeAspect="1"/>
+          </p:cNvPicPr>
+          <p:nvPr/>
+        </p:nvPicPr>
+        <p:blipFill>
+          <a:blip r:embed="rId4">
+            <a:extLst>
+              <a:ext uri="{28A0092B-C50C-407E-A947-70E740481C1C}">
+                <a14:useLocalDpi xmlns:a14="http://schemas.microsoft.com/office/drawing/2010/main" val="0"/>
+              </a:ext>
+            </a:extLst>
+          </a:blip>
+          <a:stretch>
+            <a:fillRect/>
+          </a:stretch>
+        </p:blipFill>
+        <p:spPr>
+          <a:xfrm>
+            <a:off x="10085162" y="6362402"/>
+            <a:ext cx="1317330" cy="406948"/>
+          </a:xfrm>
+          <a:prstGeom prst="rect">
+            <a:avLst/>
+          </a:prstGeom>
+        </p:spPr>
+      </p:pic>
     </p:spTree>
     <p:extLst>
       <p:ext uri="{BB962C8B-B14F-4D97-AF65-F5344CB8AC3E}">

--- a/presentation/Prague-2020-working-with-zip.pptx
+++ b/presentation/Prague-2020-working-with-zip.pptx
@@ -223,7 +223,7 @@
           <a:p>
             <a:fld id="{0AAE6376-87C4-4D16-82D1-D37904F930BA}" type="datetimeFigureOut">
               <a:rPr lang="en-NL" smtClean="0"/>
-              <a:t>06/02/2020</a:t>
+              <a:t>10/02/2020</a:t>
             </a:fld>
             <a:endParaRPr lang="en-NL"/>
           </a:p>
@@ -400,7 +400,7 @@
           <a:p>
             <a:fld id="{3FA52A83-AFF0-44B5-B0CB-BF1EF92BF110}" type="datetimeFigureOut">
               <a:rPr lang="en-NL" smtClean="0"/>
-              <a:t>06/02/2020</a:t>
+              <a:t>10/02/2020</a:t>
             </a:fld>
             <a:endParaRPr lang="en-NL"/>
           </a:p>
@@ -901,7 +901,7 @@
           <a:p>
             <a:fld id="{9446F294-FC6D-4658-8D72-6C175CC4BEDF}" type="datetimeFigureOut">
               <a:rPr lang="en-US" smtClean="0"/>
-              <a:t>2/6/2020</a:t>
+              <a:t>2/10/2020</a:t>
             </a:fld>
             <a:endParaRPr lang="en-US"/>
           </a:p>
@@ -1101,7 +1101,7 @@
           <a:p>
             <a:fld id="{9446F294-FC6D-4658-8D72-6C175CC4BEDF}" type="datetimeFigureOut">
               <a:rPr lang="en-US" smtClean="0"/>
-              <a:t>2/6/2020</a:t>
+              <a:t>2/10/2020</a:t>
             </a:fld>
             <a:endParaRPr lang="en-US"/>
           </a:p>
@@ -1311,7 +1311,7 @@
           <a:p>
             <a:fld id="{9446F294-FC6D-4658-8D72-6C175CC4BEDF}" type="datetimeFigureOut">
               <a:rPr lang="en-US" smtClean="0"/>
-              <a:t>2/6/2020</a:t>
+              <a:t>2/10/2020</a:t>
             </a:fld>
             <a:endParaRPr lang="en-US"/>
           </a:p>
@@ -1511,7 +1511,7 @@
           <a:p>
             <a:fld id="{9446F294-FC6D-4658-8D72-6C175CC4BEDF}" type="datetimeFigureOut">
               <a:rPr lang="en-US" smtClean="0"/>
-              <a:t>2/6/2020</a:t>
+              <a:t>2/10/2020</a:t>
             </a:fld>
             <a:endParaRPr lang="en-US"/>
           </a:p>
@@ -1787,7 +1787,7 @@
           <a:p>
             <a:fld id="{9446F294-FC6D-4658-8D72-6C175CC4BEDF}" type="datetimeFigureOut">
               <a:rPr lang="en-US" smtClean="0"/>
-              <a:t>2/6/2020</a:t>
+              <a:t>2/10/2020</a:t>
             </a:fld>
             <a:endParaRPr lang="en-US"/>
           </a:p>
@@ -2055,7 +2055,7 @@
           <a:p>
             <a:fld id="{9446F294-FC6D-4658-8D72-6C175CC4BEDF}" type="datetimeFigureOut">
               <a:rPr lang="en-US" smtClean="0"/>
-              <a:t>2/6/2020</a:t>
+              <a:t>2/10/2020</a:t>
             </a:fld>
             <a:endParaRPr lang="en-US"/>
           </a:p>
@@ -2470,7 +2470,7 @@
           <a:p>
             <a:fld id="{9446F294-FC6D-4658-8D72-6C175CC4BEDF}" type="datetimeFigureOut">
               <a:rPr lang="en-US" smtClean="0"/>
-              <a:t>2/6/2020</a:t>
+              <a:t>2/10/2020</a:t>
             </a:fld>
             <a:endParaRPr lang="en-US"/>
           </a:p>
@@ -2612,7 +2612,7 @@
           <a:p>
             <a:fld id="{9446F294-FC6D-4658-8D72-6C175CC4BEDF}" type="datetimeFigureOut">
               <a:rPr lang="en-US" smtClean="0"/>
-              <a:t>2/6/2020</a:t>
+              <a:t>2/10/2020</a:t>
             </a:fld>
             <a:endParaRPr lang="en-US"/>
           </a:p>
@@ -2725,7 +2725,7 @@
           <a:p>
             <a:fld id="{9446F294-FC6D-4658-8D72-6C175CC4BEDF}" type="datetimeFigureOut">
               <a:rPr lang="en-US" smtClean="0"/>
-              <a:t>2/6/2020</a:t>
+              <a:t>2/10/2020</a:t>
             </a:fld>
             <a:endParaRPr lang="en-US"/>
           </a:p>
@@ -3038,7 +3038,7 @@
           <a:p>
             <a:fld id="{9446F294-FC6D-4658-8D72-6C175CC4BEDF}" type="datetimeFigureOut">
               <a:rPr lang="en-US" smtClean="0"/>
-              <a:t>2/6/2020</a:t>
+              <a:t>2/10/2020</a:t>
             </a:fld>
             <a:endParaRPr lang="en-US"/>
           </a:p>
@@ -3327,7 +3327,7 @@
           <a:p>
             <a:fld id="{9446F294-FC6D-4658-8D72-6C175CC4BEDF}" type="datetimeFigureOut">
               <a:rPr lang="en-US" smtClean="0"/>
-              <a:t>2/6/2020</a:t>
+              <a:t>2/10/2020</a:t>
             </a:fld>
             <a:endParaRPr lang="en-US"/>
           </a:p>
@@ -3570,7 +3570,7 @@
           <a:p>
             <a:fld id="{9446F294-FC6D-4658-8D72-6C175CC4BEDF}" type="datetimeFigureOut">
               <a:rPr lang="en-US" smtClean="0"/>
-              <a:t>2/6/2020</a:t>
+              <a:t>2/10/2020</a:t>
             </a:fld>
             <a:endParaRPr lang="en-US"/>
           </a:p>
@@ -7698,55 +7698,6 @@
       </p:sp>
       <p:sp>
         <p:nvSpPr>
-          <p:cNvPr id="3" name="Flowchart: Multidocument 2">
-            <a:extLst>
-              <a:ext uri="{FF2B5EF4-FFF2-40B4-BE49-F238E27FC236}">
-                <a16:creationId xmlns:a16="http://schemas.microsoft.com/office/drawing/2014/main" id="{522B6ED8-5466-428E-844E-1A306844FD66}"/>
-              </a:ext>
-            </a:extLst>
-          </p:cNvPr>
-          <p:cNvSpPr/>
-          <p:nvPr/>
-        </p:nvSpPr>
-        <p:spPr>
-          <a:xfrm>
-            <a:off x="8233932" y="3095309"/>
-            <a:ext cx="1174419" cy="736721"/>
-          </a:xfrm>
-          <a:prstGeom prst="flowChartMultidocument">
-            <a:avLst/>
-          </a:prstGeom>
-          <a:solidFill>
-            <a:schemeClr val="accent3"/>
-          </a:solidFill>
-        </p:spPr>
-        <p:style>
-          <a:lnRef idx="2">
-            <a:schemeClr val="accent1">
-              <a:shade val="50000"/>
-            </a:schemeClr>
-          </a:lnRef>
-          <a:fillRef idx="1">
-            <a:schemeClr val="accent1"/>
-          </a:fillRef>
-          <a:effectRef idx="0">
-            <a:schemeClr val="accent1"/>
-          </a:effectRef>
-          <a:fontRef idx="minor">
-            <a:schemeClr val="lt1"/>
-          </a:fontRef>
-        </p:style>
-        <p:txBody>
-          <a:bodyPr rtlCol="0" anchor="ctr"/>
-          <a:lstStyle/>
-          <a:p>
-            <a:pPr algn="ctr"/>
-            <a:endParaRPr lang="en-GB"/>
-          </a:p>
-        </p:txBody>
-      </p:sp>
-      <p:sp>
-        <p:nvSpPr>
           <p:cNvPr id="6" name="TextBox 5">
             <a:extLst>
               <a:ext uri="{FF2B5EF4-FFF2-40B4-BE49-F238E27FC236}">
@@ -7934,9 +7885,9 @@
           <p:nvPr/>
         </p:nvCxnSpPr>
         <p:spPr>
-          <a:xfrm>
-            <a:off x="6240455" y="1989145"/>
-            <a:ext cx="1815799" cy="1187420"/>
+          <a:xfrm flipH="1" flipV="1">
+            <a:off x="6993821" y="1775237"/>
+            <a:ext cx="1480640" cy="1321112"/>
           </a:xfrm>
           <a:prstGeom prst="straightConnector1">
             <a:avLst/>
@@ -7975,9 +7926,9 @@
           <p:nvPr/>
         </p:nvCxnSpPr>
         <p:spPr>
-          <a:xfrm>
-            <a:off x="6491807" y="3250237"/>
-            <a:ext cx="1612117" cy="178763"/>
+          <a:xfrm flipH="1" flipV="1">
+            <a:off x="6439061" y="3286486"/>
+            <a:ext cx="2066007" cy="642756"/>
           </a:xfrm>
           <a:prstGeom prst="straightConnector1">
             <a:avLst/>
@@ -8068,6 +8019,151 @@
               </a:rPr>
               <a:t>/old.png</a:t>
             </a:r>
+          </a:p>
+        </p:txBody>
+      </p:sp>
+      <p:sp>
+        <p:nvSpPr>
+          <p:cNvPr id="4" name="Flowchart: Document 3">
+            <a:extLst>
+              <a:ext uri="{FF2B5EF4-FFF2-40B4-BE49-F238E27FC236}">
+                <a16:creationId xmlns:a16="http://schemas.microsoft.com/office/drawing/2014/main" id="{E061FEEA-DD96-434E-AA74-2DC06FF710CB}"/>
+              </a:ext>
+            </a:extLst>
+          </p:cNvPr>
+          <p:cNvSpPr/>
+          <p:nvPr/>
+        </p:nvSpPr>
+        <p:spPr>
+          <a:xfrm>
+            <a:off x="8558631" y="2847457"/>
+            <a:ext cx="976195" cy="581543"/>
+          </a:xfrm>
+          <a:prstGeom prst="flowChartDocument">
+            <a:avLst/>
+          </a:prstGeom>
+          <a:solidFill>
+            <a:schemeClr val="accent3"/>
+          </a:solidFill>
+        </p:spPr>
+        <p:style>
+          <a:lnRef idx="2">
+            <a:schemeClr val="accent1">
+              <a:shade val="50000"/>
+            </a:schemeClr>
+          </a:lnRef>
+          <a:fillRef idx="1">
+            <a:schemeClr val="accent1"/>
+          </a:fillRef>
+          <a:effectRef idx="0">
+            <a:schemeClr val="accent1"/>
+          </a:effectRef>
+          <a:fontRef idx="minor">
+            <a:schemeClr val="lt1"/>
+          </a:fontRef>
+        </p:style>
+        <p:txBody>
+          <a:bodyPr rtlCol="0" anchor="ctr"/>
+          <a:lstStyle/>
+          <a:p>
+            <a:pPr algn="ctr"/>
+            <a:r>
+              <a:rPr lang="en-US" sz="1200" b="1" dirty="0">
+                <a:solidFill>
+                  <a:schemeClr val="tx1"/>
+                </a:solidFill>
+              </a:rPr>
+              <a:t>demo.html</a:t>
+            </a:r>
+            <a:endParaRPr lang="en-GB" sz="1200" b="1" dirty="0">
+              <a:solidFill>
+                <a:schemeClr val="tx1"/>
+              </a:solidFill>
+            </a:endParaRPr>
+          </a:p>
+        </p:txBody>
+      </p:sp>
+      <p:sp>
+        <p:nvSpPr>
+          <p:cNvPr id="16" name="Flowchart: Document 15">
+            <a:extLst>
+              <a:ext uri="{FF2B5EF4-FFF2-40B4-BE49-F238E27FC236}">
+                <a16:creationId xmlns:a16="http://schemas.microsoft.com/office/drawing/2014/main" id="{1692C727-9CDD-4666-A059-527D1E026D10}"/>
+              </a:ext>
+            </a:extLst>
+          </p:cNvPr>
+          <p:cNvSpPr/>
+          <p:nvPr/>
+        </p:nvSpPr>
+        <p:spPr>
+          <a:xfrm>
+            <a:off x="8558631" y="3583352"/>
+            <a:ext cx="976195" cy="581543"/>
+          </a:xfrm>
+          <a:prstGeom prst="flowChartDocument">
+            <a:avLst/>
+          </a:prstGeom>
+          <a:solidFill>
+            <a:schemeClr val="accent3"/>
+          </a:solidFill>
+        </p:spPr>
+        <p:style>
+          <a:lnRef idx="2">
+            <a:schemeClr val="accent1">
+              <a:shade val="50000"/>
+            </a:schemeClr>
+          </a:lnRef>
+          <a:fillRef idx="1">
+            <a:schemeClr val="accent1"/>
+          </a:fillRef>
+          <a:effectRef idx="0">
+            <a:schemeClr val="accent1"/>
+          </a:effectRef>
+          <a:fontRef idx="minor">
+            <a:schemeClr val="lt1"/>
+          </a:fontRef>
+        </p:style>
+        <p:txBody>
+          <a:bodyPr rtlCol="0" anchor="ctr"/>
+          <a:lstStyle/>
+          <a:p>
+            <a:pPr algn="ctr"/>
+            <a:r>
+              <a:rPr lang="en-US" sz="1200" b="1" dirty="0" err="1">
+                <a:solidFill>
+                  <a:schemeClr val="tx1"/>
+                </a:solidFill>
+              </a:rPr>
+              <a:t>img</a:t>
+            </a:r>
+            <a:r>
+              <a:rPr lang="en-US" sz="1200" b="1" dirty="0">
+                <a:solidFill>
+                  <a:schemeClr val="tx1"/>
+                </a:solidFill>
+              </a:rPr>
+              <a:t>/</a:t>
+            </a:r>
+            <a:br>
+              <a:rPr lang="en-US" sz="1200" b="1" dirty="0">
+                <a:solidFill>
+                  <a:schemeClr val="tx1"/>
+                </a:solidFill>
+              </a:rPr>
+            </a:br>
+            <a:r>
+              <a:rPr lang="en-US" sz="1200" b="1" dirty="0">
+                <a:solidFill>
+                  <a:schemeClr val="tx1"/>
+                </a:solidFill>
+              </a:rPr>
+              <a:t>old.png</a:t>
+            </a:r>
+            <a:endParaRPr lang="en-GB" sz="1200" b="1" dirty="0">
+              <a:solidFill>
+                <a:schemeClr val="tx1"/>
+              </a:solidFill>
+            </a:endParaRPr>
           </a:p>
         </p:txBody>
       </p:sp>
@@ -8234,10 +8330,10 @@
       </p:sp>
       <p:sp>
         <p:nvSpPr>
-          <p:cNvPr id="3" name="Flowchart: Multidocument 2">
-            <a:extLst>
-              <a:ext uri="{FF2B5EF4-FFF2-40B4-BE49-F238E27FC236}">
-                <a16:creationId xmlns:a16="http://schemas.microsoft.com/office/drawing/2014/main" id="{522B6ED8-5466-428E-844E-1A306844FD66}"/>
+          <p:cNvPr id="12" name="Arrow: Down 11">
+            <a:extLst>
+              <a:ext uri="{FF2B5EF4-FFF2-40B4-BE49-F238E27FC236}">
+                <a16:creationId xmlns:a16="http://schemas.microsoft.com/office/drawing/2014/main" id="{BE9B7411-CF56-43E9-8E3C-9322B33C2C62}"/>
               </a:ext>
             </a:extLst>
           </p:cNvPr>
@@ -8246,15 +8342,12 @@
         </p:nvSpPr>
         <p:spPr>
           <a:xfrm>
-            <a:off x="7120415" y="2937754"/>
-            <a:ext cx="1174419" cy="736721"/>
-          </a:xfrm>
-          <a:prstGeom prst="flowChartMultidocument">
+            <a:off x="8440735" y="1722790"/>
+            <a:ext cx="247019" cy="581167"/>
+          </a:xfrm>
+          <a:prstGeom prst="downArrow">
             <a:avLst/>
           </a:prstGeom>
-          <a:solidFill>
-            <a:schemeClr val="accent3"/>
-          </a:solidFill>
         </p:spPr>
         <p:style>
           <a:lnRef idx="2">
@@ -8283,10 +8376,10 @@
       </p:sp>
       <p:sp>
         <p:nvSpPr>
-          <p:cNvPr id="12" name="Arrow: Down 11">
-            <a:extLst>
-              <a:ext uri="{FF2B5EF4-FFF2-40B4-BE49-F238E27FC236}">
-                <a16:creationId xmlns:a16="http://schemas.microsoft.com/office/drawing/2014/main" id="{BE9B7411-CF56-43E9-8E3C-9322B33C2C62}"/>
+          <p:cNvPr id="14" name="Rectangle: Rounded Corners 13">
+            <a:extLst>
+              <a:ext uri="{FF2B5EF4-FFF2-40B4-BE49-F238E27FC236}">
+                <a16:creationId xmlns:a16="http://schemas.microsoft.com/office/drawing/2014/main" id="{2315EB9B-435B-45C4-ADBA-F4AD6B85B927}"/>
               </a:ext>
             </a:extLst>
           </p:cNvPr>
@@ -8295,10 +8388,10 @@
         </p:nvSpPr>
         <p:spPr>
           <a:xfrm>
-            <a:off x="8440735" y="1722790"/>
-            <a:ext cx="247019" cy="581167"/>
-          </a:xfrm>
-          <a:prstGeom prst="downArrow">
+            <a:off x="7489500" y="4228821"/>
+            <a:ext cx="2149490" cy="338025"/>
+          </a:xfrm>
+          <a:prstGeom prst="roundRect">
             <a:avLst/>
           </a:prstGeom>
         </p:spPr>
@@ -8323,16 +8416,20 @@
           <a:lstStyle/>
           <a:p>
             <a:pPr algn="ctr"/>
-            <a:endParaRPr lang="en-GB"/>
-          </a:p>
-        </p:txBody>
-      </p:sp>
-      <p:sp>
-        <p:nvSpPr>
-          <p:cNvPr id="14" name="Rectangle: Rounded Corners 13">
-            <a:extLst>
-              <a:ext uri="{FF2B5EF4-FFF2-40B4-BE49-F238E27FC236}">
-                <a16:creationId xmlns:a16="http://schemas.microsoft.com/office/drawing/2014/main" id="{2315EB9B-435B-45C4-ADBA-F4AD6B85B927}"/>
+            <a:r>
+              <a:rPr lang="en-US" dirty="0"/>
+              <a:t>Change demo.html</a:t>
+            </a:r>
+            <a:endParaRPr lang="en-GB" dirty="0"/>
+          </a:p>
+        </p:txBody>
+      </p:sp>
+      <p:sp>
+        <p:nvSpPr>
+          <p:cNvPr id="16" name="Arrow: Down 15">
+            <a:extLst>
+              <a:ext uri="{FF2B5EF4-FFF2-40B4-BE49-F238E27FC236}">
+                <a16:creationId xmlns:a16="http://schemas.microsoft.com/office/drawing/2014/main" id="{C95409A9-8FE8-40BA-A53C-7B3F7DEF5F81}"/>
               </a:ext>
             </a:extLst>
           </p:cNvPr>
@@ -8341,10 +8438,10 @@
         </p:nvSpPr>
         <p:spPr>
           <a:xfrm>
-            <a:off x="7489500" y="4228821"/>
-            <a:ext cx="2149490" cy="338025"/>
-          </a:xfrm>
-          <a:prstGeom prst="roundRect">
+            <a:off x="8368509" y="4740914"/>
+            <a:ext cx="372694" cy="1568063"/>
+          </a:xfrm>
+          <a:prstGeom prst="downArrow">
             <a:avLst/>
           </a:prstGeom>
         </p:spPr>
@@ -8369,118 +8466,7 @@
           <a:lstStyle/>
           <a:p>
             <a:pPr algn="ctr"/>
-            <a:r>
-              <a:rPr lang="en-US" dirty="0"/>
-              <a:t>Change demo.html</a:t>
-            </a:r>
-            <a:endParaRPr lang="en-GB" dirty="0"/>
-          </a:p>
-        </p:txBody>
-      </p:sp>
-      <p:sp>
-        <p:nvSpPr>
-          <p:cNvPr id="16" name="Arrow: Down 15">
-            <a:extLst>
-              <a:ext uri="{FF2B5EF4-FFF2-40B4-BE49-F238E27FC236}">
-                <a16:creationId xmlns:a16="http://schemas.microsoft.com/office/drawing/2014/main" id="{C95409A9-8FE8-40BA-A53C-7B3F7DEF5F81}"/>
-              </a:ext>
-            </a:extLst>
-          </p:cNvPr>
-          <p:cNvSpPr/>
-          <p:nvPr/>
-        </p:nvSpPr>
-        <p:spPr>
-          <a:xfrm>
-            <a:off x="8368509" y="4740914"/>
-            <a:ext cx="372694" cy="696271"/>
-          </a:xfrm>
-          <a:prstGeom prst="downArrow">
-            <a:avLst/>
-          </a:prstGeom>
-        </p:spPr>
-        <p:style>
-          <a:lnRef idx="2">
-            <a:schemeClr val="accent1">
-              <a:shade val="50000"/>
-            </a:schemeClr>
-          </a:lnRef>
-          <a:fillRef idx="1">
-            <a:schemeClr val="accent1"/>
-          </a:fillRef>
-          <a:effectRef idx="0">
-            <a:schemeClr val="accent1"/>
-          </a:effectRef>
-          <a:fontRef idx="minor">
-            <a:schemeClr val="lt1"/>
-          </a:fontRef>
-        </p:style>
-        <p:txBody>
-          <a:bodyPr rtlCol="0" anchor="ctr"/>
-          <a:lstStyle/>
-          <a:p>
-            <a:pPr algn="ctr"/>
             <a:endParaRPr lang="en-GB"/>
-          </a:p>
-        </p:txBody>
-      </p:sp>
-      <p:sp>
-        <p:nvSpPr>
-          <p:cNvPr id="17" name="Flowchart: Multidocument 16">
-            <a:extLst>
-              <a:ext uri="{FF2B5EF4-FFF2-40B4-BE49-F238E27FC236}">
-                <a16:creationId xmlns:a16="http://schemas.microsoft.com/office/drawing/2014/main" id="{2B3931BF-AC63-4E57-B31C-0088F341F12F}"/>
-              </a:ext>
-            </a:extLst>
-          </p:cNvPr>
-          <p:cNvSpPr/>
-          <p:nvPr/>
-        </p:nvSpPr>
-        <p:spPr>
-          <a:xfrm>
-            <a:off x="7007744" y="4693245"/>
-            <a:ext cx="1306594" cy="791611"/>
-          </a:xfrm>
-          <a:prstGeom prst="flowChartMultidocument">
-            <a:avLst/>
-          </a:prstGeom>
-          <a:solidFill>
-            <a:schemeClr val="accent3"/>
-          </a:solidFill>
-        </p:spPr>
-        <p:style>
-          <a:lnRef idx="2">
-            <a:schemeClr val="accent1">
-              <a:shade val="50000"/>
-            </a:schemeClr>
-          </a:lnRef>
-          <a:fillRef idx="1">
-            <a:schemeClr val="accent1"/>
-          </a:fillRef>
-          <a:effectRef idx="0">
-            <a:schemeClr val="accent1"/>
-          </a:effectRef>
-          <a:fontRef idx="minor">
-            <a:schemeClr val="lt1"/>
-          </a:fontRef>
-        </p:style>
-        <p:txBody>
-          <a:bodyPr rtlCol="0" anchor="ctr"/>
-          <a:lstStyle/>
-          <a:p>
-            <a:pPr algn="ctr"/>
-            <a:r>
-              <a:rPr lang="en-US" sz="1050" dirty="0">
-                <a:solidFill>
-                  <a:schemeClr val="tx1"/>
-                </a:solidFill>
-              </a:rPr>
-              <a:t>demo.html changed</a:t>
-            </a:r>
-            <a:endParaRPr lang="en-GB" sz="1050" dirty="0">
-              <a:solidFill>
-                <a:schemeClr val="tx1"/>
-              </a:solidFill>
-            </a:endParaRPr>
           </a:p>
         </p:txBody>
       </p:sp>
@@ -8815,7 +8801,7 @@
         </p:nvSpPr>
         <p:spPr>
           <a:xfrm>
-            <a:off x="5746750" y="5741680"/>
+            <a:off x="1465000" y="5984609"/>
             <a:ext cx="5542744" cy="461665"/>
           </a:xfrm>
           <a:prstGeom prst="rect">
@@ -8852,6 +8838,311 @@
               <a:t> properties!</a:t>
             </a:r>
             <a:endParaRPr lang="en-GB" sz="2400" dirty="0"/>
+          </a:p>
+        </p:txBody>
+      </p:sp>
+      <p:sp>
+        <p:nvSpPr>
+          <p:cNvPr id="15" name="Flowchart: Document 14">
+            <a:extLst>
+              <a:ext uri="{FF2B5EF4-FFF2-40B4-BE49-F238E27FC236}">
+                <a16:creationId xmlns:a16="http://schemas.microsoft.com/office/drawing/2014/main" id="{EA84E3B7-40E1-4406-9A1C-37B37C3D6214}"/>
+              </a:ext>
+            </a:extLst>
+          </p:cNvPr>
+          <p:cNvSpPr/>
+          <p:nvPr/>
+        </p:nvSpPr>
+        <p:spPr>
+          <a:xfrm>
+            <a:off x="7338143" y="2809365"/>
+            <a:ext cx="976195" cy="581543"/>
+          </a:xfrm>
+          <a:prstGeom prst="flowChartDocument">
+            <a:avLst/>
+          </a:prstGeom>
+          <a:solidFill>
+            <a:schemeClr val="accent3"/>
+          </a:solidFill>
+        </p:spPr>
+        <p:style>
+          <a:lnRef idx="2">
+            <a:schemeClr val="accent1">
+              <a:shade val="50000"/>
+            </a:schemeClr>
+          </a:lnRef>
+          <a:fillRef idx="1">
+            <a:schemeClr val="accent1"/>
+          </a:fillRef>
+          <a:effectRef idx="0">
+            <a:schemeClr val="accent1"/>
+          </a:effectRef>
+          <a:fontRef idx="minor">
+            <a:schemeClr val="lt1"/>
+          </a:fontRef>
+        </p:style>
+        <p:txBody>
+          <a:bodyPr rtlCol="0" anchor="ctr"/>
+          <a:lstStyle/>
+          <a:p>
+            <a:pPr algn="ctr"/>
+            <a:r>
+              <a:rPr lang="en-US" sz="1200" b="1" dirty="0">
+                <a:solidFill>
+                  <a:schemeClr val="tx1"/>
+                </a:solidFill>
+              </a:rPr>
+              <a:t>demo.html</a:t>
+            </a:r>
+            <a:endParaRPr lang="en-GB" sz="1200" b="1" dirty="0">
+              <a:solidFill>
+                <a:schemeClr val="tx1"/>
+              </a:solidFill>
+            </a:endParaRPr>
+          </a:p>
+        </p:txBody>
+      </p:sp>
+      <p:sp>
+        <p:nvSpPr>
+          <p:cNvPr id="18" name="Flowchart: Document 17">
+            <a:extLst>
+              <a:ext uri="{FF2B5EF4-FFF2-40B4-BE49-F238E27FC236}">
+                <a16:creationId xmlns:a16="http://schemas.microsoft.com/office/drawing/2014/main" id="{9EFF02E8-D58D-4F6A-9D2A-BDBFE13D248C}"/>
+              </a:ext>
+            </a:extLst>
+          </p:cNvPr>
+          <p:cNvSpPr/>
+          <p:nvPr/>
+        </p:nvSpPr>
+        <p:spPr>
+          <a:xfrm>
+            <a:off x="7338143" y="3545260"/>
+            <a:ext cx="976195" cy="581543"/>
+          </a:xfrm>
+          <a:prstGeom prst="flowChartDocument">
+            <a:avLst/>
+          </a:prstGeom>
+          <a:solidFill>
+            <a:schemeClr val="accent3"/>
+          </a:solidFill>
+        </p:spPr>
+        <p:style>
+          <a:lnRef idx="2">
+            <a:schemeClr val="accent1">
+              <a:shade val="50000"/>
+            </a:schemeClr>
+          </a:lnRef>
+          <a:fillRef idx="1">
+            <a:schemeClr val="accent1"/>
+          </a:fillRef>
+          <a:effectRef idx="0">
+            <a:schemeClr val="accent1"/>
+          </a:effectRef>
+          <a:fontRef idx="minor">
+            <a:schemeClr val="lt1"/>
+          </a:fontRef>
+        </p:style>
+        <p:txBody>
+          <a:bodyPr rtlCol="0" anchor="ctr"/>
+          <a:lstStyle/>
+          <a:p>
+            <a:pPr algn="ctr"/>
+            <a:r>
+              <a:rPr lang="en-US" sz="1200" b="1" dirty="0" err="1">
+                <a:solidFill>
+                  <a:schemeClr val="tx1"/>
+                </a:solidFill>
+              </a:rPr>
+              <a:t>img</a:t>
+            </a:r>
+            <a:r>
+              <a:rPr lang="en-US" sz="1200" b="1" dirty="0">
+                <a:solidFill>
+                  <a:schemeClr val="tx1"/>
+                </a:solidFill>
+              </a:rPr>
+              <a:t>/</a:t>
+            </a:r>
+            <a:br>
+              <a:rPr lang="en-US" sz="1200" b="1" dirty="0">
+                <a:solidFill>
+                  <a:schemeClr val="tx1"/>
+                </a:solidFill>
+              </a:rPr>
+            </a:br>
+            <a:r>
+              <a:rPr lang="en-US" sz="1200" b="1" dirty="0">
+                <a:solidFill>
+                  <a:schemeClr val="tx1"/>
+                </a:solidFill>
+              </a:rPr>
+              <a:t>old.png</a:t>
+            </a:r>
+            <a:endParaRPr lang="en-GB" sz="1200" b="1" dirty="0">
+              <a:solidFill>
+                <a:schemeClr val="tx1"/>
+              </a:solidFill>
+            </a:endParaRPr>
+          </a:p>
+        </p:txBody>
+      </p:sp>
+      <p:sp>
+        <p:nvSpPr>
+          <p:cNvPr id="19" name="Flowchart: Document 18">
+            <a:extLst>
+              <a:ext uri="{FF2B5EF4-FFF2-40B4-BE49-F238E27FC236}">
+                <a16:creationId xmlns:a16="http://schemas.microsoft.com/office/drawing/2014/main" id="{56790221-BBB1-4B90-A27B-C620D9FA974E}"/>
+              </a:ext>
+            </a:extLst>
+          </p:cNvPr>
+          <p:cNvSpPr/>
+          <p:nvPr/>
+        </p:nvSpPr>
+        <p:spPr>
+          <a:xfrm>
+            <a:off x="7242507" y="4761057"/>
+            <a:ext cx="976195" cy="581543"/>
+          </a:xfrm>
+          <a:prstGeom prst="flowChartDocument">
+            <a:avLst/>
+          </a:prstGeom>
+          <a:solidFill>
+            <a:schemeClr val="accent3"/>
+          </a:solidFill>
+        </p:spPr>
+        <p:style>
+          <a:lnRef idx="2">
+            <a:schemeClr val="accent1">
+              <a:shade val="50000"/>
+            </a:schemeClr>
+          </a:lnRef>
+          <a:fillRef idx="1">
+            <a:schemeClr val="accent1"/>
+          </a:fillRef>
+          <a:effectRef idx="0">
+            <a:schemeClr val="accent1"/>
+          </a:effectRef>
+          <a:fontRef idx="minor">
+            <a:schemeClr val="lt1"/>
+          </a:fontRef>
+        </p:style>
+        <p:txBody>
+          <a:bodyPr rtlCol="0" anchor="ctr"/>
+          <a:lstStyle/>
+          <a:p>
+            <a:pPr algn="ctr"/>
+            <a:r>
+              <a:rPr lang="en-US" sz="1200" b="1" dirty="0">
+                <a:solidFill>
+                  <a:schemeClr val="tx1"/>
+                </a:solidFill>
+              </a:rPr>
+              <a:t>demo.html</a:t>
+            </a:r>
+            <a:br>
+              <a:rPr lang="en-US" sz="1200" b="1" dirty="0">
+                <a:solidFill>
+                  <a:schemeClr val="tx1"/>
+                </a:solidFill>
+              </a:rPr>
+            </a:br>
+            <a:r>
+              <a:rPr lang="en-US" sz="1200" b="1" dirty="0">
+                <a:solidFill>
+                  <a:schemeClr val="tx1"/>
+                </a:solidFill>
+              </a:rPr>
+              <a:t>(changed)</a:t>
+            </a:r>
+            <a:endParaRPr lang="en-GB" sz="1200" b="1" dirty="0">
+              <a:solidFill>
+                <a:schemeClr val="tx1"/>
+              </a:solidFill>
+            </a:endParaRPr>
+          </a:p>
+        </p:txBody>
+      </p:sp>
+      <p:sp>
+        <p:nvSpPr>
+          <p:cNvPr id="20" name="Flowchart: Document 19">
+            <a:extLst>
+              <a:ext uri="{FF2B5EF4-FFF2-40B4-BE49-F238E27FC236}">
+                <a16:creationId xmlns:a16="http://schemas.microsoft.com/office/drawing/2014/main" id="{0355B3D6-C7C4-4DF7-8CA0-3FF165D139E6}"/>
+              </a:ext>
+            </a:extLst>
+          </p:cNvPr>
+          <p:cNvSpPr/>
+          <p:nvPr/>
+        </p:nvSpPr>
+        <p:spPr>
+          <a:xfrm>
+            <a:off x="7242507" y="5496952"/>
+            <a:ext cx="976195" cy="581543"/>
+          </a:xfrm>
+          <a:prstGeom prst="flowChartDocument">
+            <a:avLst/>
+          </a:prstGeom>
+          <a:solidFill>
+            <a:schemeClr val="accent3"/>
+          </a:solidFill>
+        </p:spPr>
+        <p:style>
+          <a:lnRef idx="2">
+            <a:schemeClr val="accent1">
+              <a:shade val="50000"/>
+            </a:schemeClr>
+          </a:lnRef>
+          <a:fillRef idx="1">
+            <a:schemeClr val="accent1"/>
+          </a:fillRef>
+          <a:effectRef idx="0">
+            <a:schemeClr val="accent1"/>
+          </a:effectRef>
+          <a:fontRef idx="minor">
+            <a:schemeClr val="lt1"/>
+          </a:fontRef>
+        </p:style>
+        <p:txBody>
+          <a:bodyPr rtlCol="0" anchor="ctr"/>
+          <a:lstStyle/>
+          <a:p>
+            <a:pPr algn="ctr"/>
+            <a:r>
+              <a:rPr lang="en-US" sz="1200" b="1" dirty="0" err="1">
+                <a:solidFill>
+                  <a:schemeClr val="tx1"/>
+                </a:solidFill>
+              </a:rPr>
+              <a:t>img</a:t>
+            </a:r>
+            <a:r>
+              <a:rPr lang="en-US" sz="1200" b="1" dirty="0">
+                <a:solidFill>
+                  <a:schemeClr val="tx1"/>
+                </a:solidFill>
+              </a:rPr>
+              <a:t>/</a:t>
+            </a:r>
+            <a:br>
+              <a:rPr lang="en-US" sz="1200" b="1" dirty="0">
+                <a:solidFill>
+                  <a:schemeClr val="tx1"/>
+                </a:solidFill>
+              </a:rPr>
+            </a:br>
+            <a:r>
+              <a:rPr lang="en-US" sz="1200" b="1" dirty="0">
+                <a:solidFill>
+                  <a:schemeClr val="tx1"/>
+                </a:solidFill>
+              </a:rPr>
+              <a:t>old.png</a:t>
+            </a:r>
+            <a:endParaRPr lang="en-GB" sz="1200" b="1" dirty="0">
+              <a:solidFill>
+                <a:schemeClr val="tx1"/>
+              </a:solidFill>
+            </a:endParaRPr>
           </a:p>
         </p:txBody>
       </p:sp>
@@ -8885,6 +9176,90 @@
           <a:chExt cx="0" cy="0"/>
         </a:xfrm>
       </p:grpSpPr>
+      <p:sp>
+        <p:nvSpPr>
+          <p:cNvPr id="25" name="Flowchart: Document 24">
+            <a:extLst>
+              <a:ext uri="{FF2B5EF4-FFF2-40B4-BE49-F238E27FC236}">
+                <a16:creationId xmlns:a16="http://schemas.microsoft.com/office/drawing/2014/main" id="{8160F47F-F1A0-4E81-AA9C-BFFFB167490F}"/>
+              </a:ext>
+            </a:extLst>
+          </p:cNvPr>
+          <p:cNvSpPr/>
+          <p:nvPr/>
+        </p:nvSpPr>
+        <p:spPr>
+          <a:xfrm>
+            <a:off x="3704845" y="4243724"/>
+            <a:ext cx="690530" cy="470561"/>
+          </a:xfrm>
+          <a:prstGeom prst="flowChartDocument">
+            <a:avLst/>
+          </a:prstGeom>
+          <a:solidFill>
+            <a:schemeClr val="accent3"/>
+          </a:solidFill>
+        </p:spPr>
+        <p:style>
+          <a:lnRef idx="2">
+            <a:schemeClr val="accent1">
+              <a:shade val="50000"/>
+            </a:schemeClr>
+          </a:lnRef>
+          <a:fillRef idx="1">
+            <a:schemeClr val="accent1"/>
+          </a:fillRef>
+          <a:effectRef idx="0">
+            <a:schemeClr val="accent1"/>
+          </a:effectRef>
+          <a:fontRef idx="minor">
+            <a:schemeClr val="lt1"/>
+          </a:fontRef>
+        </p:style>
+        <p:txBody>
+          <a:bodyPr rtlCol="0" anchor="ctr"/>
+          <a:lstStyle/>
+          <a:p>
+            <a:pPr algn="ctr"/>
+            <a:r>
+              <a:rPr lang="en-US" sz="800" b="1" dirty="0" err="1">
+                <a:solidFill>
+                  <a:schemeClr val="tx1"/>
+                </a:solidFill>
+              </a:rPr>
+              <a:t>img</a:t>
+            </a:r>
+            <a:r>
+              <a:rPr lang="en-US" sz="800" b="1" dirty="0">
+                <a:solidFill>
+                  <a:schemeClr val="tx1"/>
+                </a:solidFill>
+              </a:rPr>
+              <a:t>/</a:t>
+            </a:r>
+            <a:br>
+              <a:rPr lang="en-US" sz="800" b="1" dirty="0">
+                <a:solidFill>
+                  <a:schemeClr val="tx1"/>
+                </a:solidFill>
+              </a:rPr>
+            </a:br>
+            <a:r>
+              <a:rPr lang="en-US" sz="800" b="1" dirty="0">
+                <a:solidFill>
+                  <a:schemeClr val="tx1"/>
+                </a:solidFill>
+              </a:rPr>
+              <a:t>old.png</a:t>
+            </a:r>
+            <a:endParaRPr lang="en-GB" sz="800" b="1" dirty="0">
+              <a:solidFill>
+                <a:schemeClr val="tx1"/>
+              </a:solidFill>
+            </a:endParaRPr>
+          </a:p>
+        </p:txBody>
+      </p:sp>
       <p:pic>
         <p:nvPicPr>
           <p:cNvPr id="5" name="Picture 4">
@@ -9018,10 +9393,10 @@
       </p:sp>
       <p:sp>
         <p:nvSpPr>
-          <p:cNvPr id="3" name="Flowchart: Multidocument 2">
-            <a:extLst>
-              <a:ext uri="{FF2B5EF4-FFF2-40B4-BE49-F238E27FC236}">
-                <a16:creationId xmlns:a16="http://schemas.microsoft.com/office/drawing/2014/main" id="{522B6ED8-5466-428E-844E-1A306844FD66}"/>
+          <p:cNvPr id="12" name="Arrow: Down 11">
+            <a:extLst>
+              <a:ext uri="{FF2B5EF4-FFF2-40B4-BE49-F238E27FC236}">
+                <a16:creationId xmlns:a16="http://schemas.microsoft.com/office/drawing/2014/main" id="{BE9B7411-CF56-43E9-8E3C-9322B33C2C62}"/>
               </a:ext>
             </a:extLst>
           </p:cNvPr>
@@ -9029,16 +9404,13 @@
           <p:nvPr/>
         </p:nvSpPr>
         <p:spPr>
-          <a:xfrm>
-            <a:off x="3516717" y="2724571"/>
-            <a:ext cx="936071" cy="488618"/>
-          </a:xfrm>
-          <a:prstGeom prst="flowChartMultidocument">
+          <a:xfrm rot="19061410">
+            <a:off x="4461199" y="1164343"/>
+            <a:ext cx="247019" cy="997270"/>
+          </a:xfrm>
+          <a:prstGeom prst="downArrow">
             <a:avLst/>
           </a:prstGeom>
-          <a:solidFill>
-            <a:schemeClr val="accent3"/>
-          </a:solidFill>
         </p:spPr>
         <p:style>
           <a:lnRef idx="2">
@@ -9067,10 +9439,10 @@
       </p:sp>
       <p:sp>
         <p:nvSpPr>
-          <p:cNvPr id="12" name="Arrow: Down 11">
-            <a:extLst>
-              <a:ext uri="{FF2B5EF4-FFF2-40B4-BE49-F238E27FC236}">
-                <a16:creationId xmlns:a16="http://schemas.microsoft.com/office/drawing/2014/main" id="{BE9B7411-CF56-43E9-8E3C-9322B33C2C62}"/>
+          <p:cNvPr id="14" name="Rectangle: Rounded Corners 13">
+            <a:extLst>
+              <a:ext uri="{FF2B5EF4-FFF2-40B4-BE49-F238E27FC236}">
+                <a16:creationId xmlns:a16="http://schemas.microsoft.com/office/drawing/2014/main" id="{2315EB9B-435B-45C4-ADBA-F4AD6B85B927}"/>
               </a:ext>
             </a:extLst>
           </p:cNvPr>
@@ -9078,11 +9450,11 @@
           <p:nvPr/>
         </p:nvSpPr>
         <p:spPr>
-          <a:xfrm rot="19061410">
-            <a:off x="4461199" y="1164343"/>
-            <a:ext cx="247019" cy="997270"/>
-          </a:xfrm>
-          <a:prstGeom prst="downArrow">
+          <a:xfrm>
+            <a:off x="3590392" y="3708128"/>
+            <a:ext cx="2149490" cy="338025"/>
+          </a:xfrm>
+          <a:prstGeom prst="roundRect">
             <a:avLst/>
           </a:prstGeom>
         </p:spPr>
@@ -9107,16 +9479,20 @@
           <a:lstStyle/>
           <a:p>
             <a:pPr algn="ctr"/>
-            <a:endParaRPr lang="en-GB"/>
-          </a:p>
-        </p:txBody>
-      </p:sp>
-      <p:sp>
-        <p:nvSpPr>
-          <p:cNvPr id="14" name="Rectangle: Rounded Corners 13">
-            <a:extLst>
-              <a:ext uri="{FF2B5EF4-FFF2-40B4-BE49-F238E27FC236}">
-                <a16:creationId xmlns:a16="http://schemas.microsoft.com/office/drawing/2014/main" id="{2315EB9B-435B-45C4-ADBA-F4AD6B85B927}"/>
+            <a:r>
+              <a:rPr lang="en-US" dirty="0"/>
+              <a:t>Change demo.html</a:t>
+            </a:r>
+            <a:endParaRPr lang="en-GB" dirty="0"/>
+          </a:p>
+        </p:txBody>
+      </p:sp>
+      <p:sp>
+        <p:nvSpPr>
+          <p:cNvPr id="8" name="Rectangle: Rounded Corners 7">
+            <a:extLst>
+              <a:ext uri="{FF2B5EF4-FFF2-40B4-BE49-F238E27FC236}">
+                <a16:creationId xmlns:a16="http://schemas.microsoft.com/office/drawing/2014/main" id="{4812F82E-26BC-4C7E-A0D2-B5AFC21D3F6A}"/>
               </a:ext>
             </a:extLst>
           </p:cNvPr>
@@ -9125,7 +9501,7 @@
         </p:nvSpPr>
         <p:spPr>
           <a:xfrm>
-            <a:off x="3590392" y="3708128"/>
+            <a:off x="160345" y="2389355"/>
             <a:ext cx="2149490" cy="338025"/>
           </a:xfrm>
           <a:prstGeom prst="roundRect">
@@ -9155,7 +9531,7 @@
             <a:pPr algn="ctr"/>
             <a:r>
               <a:rPr lang="en-US" dirty="0"/>
-              <a:t>Change demo.html</a:t>
+              <a:t>Get manifest</a:t>
             </a:r>
             <a:endParaRPr lang="en-GB" dirty="0"/>
           </a:p>
@@ -9163,10 +9539,10 @@
       </p:sp>
       <p:sp>
         <p:nvSpPr>
-          <p:cNvPr id="8" name="Rectangle: Rounded Corners 7">
-            <a:extLst>
-              <a:ext uri="{FF2B5EF4-FFF2-40B4-BE49-F238E27FC236}">
-                <a16:creationId xmlns:a16="http://schemas.microsoft.com/office/drawing/2014/main" id="{4812F82E-26BC-4C7E-A0D2-B5AFC21D3F6A}"/>
+          <p:cNvPr id="9" name="Rectangle: Rounded Corners 8">
+            <a:extLst>
+              <a:ext uri="{FF2B5EF4-FFF2-40B4-BE49-F238E27FC236}">
+                <a16:creationId xmlns:a16="http://schemas.microsoft.com/office/drawing/2014/main" id="{205097BD-1BD1-4D79-84D6-0696C361D50A}"/>
               </a:ext>
             </a:extLst>
           </p:cNvPr>
@@ -9175,8 +9551,8 @@
         </p:nvSpPr>
         <p:spPr>
           <a:xfrm>
-            <a:off x="160345" y="2389355"/>
-            <a:ext cx="2149490" cy="338025"/>
+            <a:off x="160345" y="3425819"/>
+            <a:ext cx="2149490" cy="527984"/>
           </a:xfrm>
           <a:prstGeom prst="roundRect">
             <a:avLst/>
@@ -9204,19 +9580,19 @@
           <a:p>
             <a:pPr algn="ctr"/>
             <a:r>
-              <a:rPr lang="en-US" dirty="0"/>
-              <a:t>Get manifest</a:t>
-            </a:r>
-            <a:endParaRPr lang="en-GB" dirty="0"/>
-          </a:p>
-        </p:txBody>
-      </p:sp>
-      <p:sp>
-        <p:nvSpPr>
-          <p:cNvPr id="9" name="Rectangle: Rounded Corners 8">
-            <a:extLst>
-              <a:ext uri="{FF2B5EF4-FFF2-40B4-BE49-F238E27FC236}">
-                <a16:creationId xmlns:a16="http://schemas.microsoft.com/office/drawing/2014/main" id="{205097BD-1BD1-4D79-84D6-0696C361D50A}"/>
+              <a:rPr lang="en-US" sz="1600" dirty="0"/>
+              <a:t>Add reference to new logo to manifest</a:t>
+            </a:r>
+            <a:endParaRPr lang="en-GB" sz="1600" dirty="0"/>
+          </a:p>
+        </p:txBody>
+      </p:sp>
+      <p:sp>
+        <p:nvSpPr>
+          <p:cNvPr id="10" name="Arrow: Down 9">
+            <a:extLst>
+              <a:ext uri="{FF2B5EF4-FFF2-40B4-BE49-F238E27FC236}">
+                <a16:creationId xmlns:a16="http://schemas.microsoft.com/office/drawing/2014/main" id="{D23C55BA-21D3-448A-9789-EE9E044B6F89}"/>
               </a:ext>
             </a:extLst>
           </p:cNvPr>
@@ -9224,11 +9600,11 @@
           <p:nvPr/>
         </p:nvSpPr>
         <p:spPr>
-          <a:xfrm>
-            <a:off x="160345" y="3425819"/>
-            <a:ext cx="2149490" cy="527984"/>
-          </a:xfrm>
-          <a:prstGeom prst="roundRect">
+          <a:xfrm rot="3681682">
+            <a:off x="1927328" y="998010"/>
+            <a:ext cx="268686" cy="1619065"/>
+          </a:xfrm>
+          <a:prstGeom prst="downArrow">
             <a:avLst/>
           </a:prstGeom>
         </p:spPr>
@@ -9253,20 +9629,16 @@
           <a:lstStyle/>
           <a:p>
             <a:pPr algn="ctr"/>
-            <a:r>
-              <a:rPr lang="en-US" sz="1600" dirty="0"/>
-              <a:t>Add reference to new logo to manifest</a:t>
-            </a:r>
-            <a:endParaRPr lang="en-GB" sz="1600" dirty="0"/>
-          </a:p>
-        </p:txBody>
-      </p:sp>
-      <p:sp>
-        <p:nvSpPr>
-          <p:cNvPr id="10" name="Arrow: Down 9">
-            <a:extLst>
-              <a:ext uri="{FF2B5EF4-FFF2-40B4-BE49-F238E27FC236}">
-                <a16:creationId xmlns:a16="http://schemas.microsoft.com/office/drawing/2014/main" id="{D23C55BA-21D3-448A-9789-EE9E044B6F89}"/>
+            <a:endParaRPr lang="en-GB"/>
+          </a:p>
+        </p:txBody>
+      </p:sp>
+      <p:sp>
+        <p:nvSpPr>
+          <p:cNvPr id="11" name="Arrow: Down 10">
+            <a:extLst>
+              <a:ext uri="{FF2B5EF4-FFF2-40B4-BE49-F238E27FC236}">
+                <a16:creationId xmlns:a16="http://schemas.microsoft.com/office/drawing/2014/main" id="{5AFF1FB3-A136-445A-B3BB-3505C1AF9B50}"/>
               </a:ext>
             </a:extLst>
           </p:cNvPr>
@@ -9274,9 +9646,9 @@
           <p:nvPr/>
         </p:nvSpPr>
         <p:spPr>
-          <a:xfrm rot="3681682">
-            <a:off x="1927328" y="998010"/>
-            <a:ext cx="268686" cy="1619065"/>
+          <a:xfrm>
+            <a:off x="1053799" y="2821928"/>
+            <a:ext cx="268686" cy="527984"/>
           </a:xfrm>
           <a:prstGeom prst="downArrow">
             <a:avLst/>
@@ -9309,10 +9681,10 @@
       </p:sp>
       <p:sp>
         <p:nvSpPr>
-          <p:cNvPr id="11" name="Arrow: Down 10">
-            <a:extLst>
-              <a:ext uri="{FF2B5EF4-FFF2-40B4-BE49-F238E27FC236}">
-                <a16:creationId xmlns:a16="http://schemas.microsoft.com/office/drawing/2014/main" id="{5AFF1FB3-A136-445A-B3BB-3505C1AF9B50}"/>
+          <p:cNvPr id="13" name="Rectangle: Rounded Corners 12">
+            <a:extLst>
+              <a:ext uri="{FF2B5EF4-FFF2-40B4-BE49-F238E27FC236}">
+                <a16:creationId xmlns:a16="http://schemas.microsoft.com/office/drawing/2014/main" id="{CA070C31-FD21-465F-AE83-4672584D7603}"/>
               </a:ext>
             </a:extLst>
           </p:cNvPr>
@@ -9321,10 +9693,10 @@
         </p:nvSpPr>
         <p:spPr>
           <a:xfrm>
-            <a:off x="1053799" y="2821928"/>
-            <a:ext cx="268686" cy="527984"/>
-          </a:xfrm>
-          <a:prstGeom prst="downArrow">
+            <a:off x="3590392" y="4873977"/>
+            <a:ext cx="2149490" cy="338025"/>
+          </a:xfrm>
+          <a:prstGeom prst="roundRect">
             <a:avLst/>
           </a:prstGeom>
         </p:spPr>
@@ -9349,16 +9721,20 @@
           <a:lstStyle/>
           <a:p>
             <a:pPr algn="ctr"/>
-            <a:endParaRPr lang="en-GB"/>
-          </a:p>
-        </p:txBody>
-      </p:sp>
-      <p:sp>
-        <p:nvSpPr>
-          <p:cNvPr id="13" name="Rectangle: Rounded Corners 12">
-            <a:extLst>
-              <a:ext uri="{FF2B5EF4-FFF2-40B4-BE49-F238E27FC236}">
-                <a16:creationId xmlns:a16="http://schemas.microsoft.com/office/drawing/2014/main" id="{CA070C31-FD21-465F-AE83-4672584D7603}"/>
+            <a:r>
+              <a:rPr lang="en-US" dirty="0"/>
+              <a:t>Archive</a:t>
+            </a:r>
+            <a:endParaRPr lang="en-GB" dirty="0"/>
+          </a:p>
+        </p:txBody>
+      </p:sp>
+      <p:sp>
+        <p:nvSpPr>
+          <p:cNvPr id="15" name="Arrow: Down 14">
+            <a:extLst>
+              <a:ext uri="{FF2B5EF4-FFF2-40B4-BE49-F238E27FC236}">
+                <a16:creationId xmlns:a16="http://schemas.microsoft.com/office/drawing/2014/main" id="{E1C085A1-719D-48CE-84CF-81E3E6A1C214}"/>
               </a:ext>
             </a:extLst>
           </p:cNvPr>
@@ -9367,10 +9743,10 @@
         </p:nvSpPr>
         <p:spPr>
           <a:xfrm>
-            <a:off x="3590392" y="4873977"/>
-            <a:ext cx="2149490" cy="338025"/>
-          </a:xfrm>
-          <a:prstGeom prst="roundRect">
+            <a:off x="4455679" y="4114409"/>
+            <a:ext cx="372694" cy="696271"/>
+          </a:xfrm>
+          <a:prstGeom prst="downArrow">
             <a:avLst/>
           </a:prstGeom>
         </p:spPr>
@@ -9395,20 +9771,16 @@
           <a:lstStyle/>
           <a:p>
             <a:pPr algn="ctr"/>
-            <a:r>
-              <a:rPr lang="en-US" dirty="0"/>
-              <a:t>Archive</a:t>
-            </a:r>
-            <a:endParaRPr lang="en-GB" dirty="0"/>
-          </a:p>
-        </p:txBody>
-      </p:sp>
-      <p:sp>
-        <p:nvSpPr>
-          <p:cNvPr id="15" name="Arrow: Down 14">
-            <a:extLst>
-              <a:ext uri="{FF2B5EF4-FFF2-40B4-BE49-F238E27FC236}">
-                <a16:creationId xmlns:a16="http://schemas.microsoft.com/office/drawing/2014/main" id="{E1C085A1-719D-48CE-84CF-81E3E6A1C214}"/>
+            <a:endParaRPr lang="en-GB"/>
+          </a:p>
+        </p:txBody>
+      </p:sp>
+      <p:sp>
+        <p:nvSpPr>
+          <p:cNvPr id="6" name="Arrow: Bent 5">
+            <a:extLst>
+              <a:ext uri="{FF2B5EF4-FFF2-40B4-BE49-F238E27FC236}">
+                <a16:creationId xmlns:a16="http://schemas.microsoft.com/office/drawing/2014/main" id="{06F902A2-06D2-49C2-B7D5-7617CA6A113B}"/>
               </a:ext>
             </a:extLst>
           </p:cNvPr>
@@ -9416,116 +9788,9 @@
           <p:nvPr/>
         </p:nvSpPr>
         <p:spPr>
-          <a:xfrm>
-            <a:off x="4455679" y="4114409"/>
-            <a:ext cx="372694" cy="696271"/>
-          </a:xfrm>
-          <a:prstGeom prst="downArrow">
-            <a:avLst/>
-          </a:prstGeom>
-        </p:spPr>
-        <p:style>
-          <a:lnRef idx="2">
-            <a:schemeClr val="accent1">
-              <a:shade val="50000"/>
-            </a:schemeClr>
-          </a:lnRef>
-          <a:fillRef idx="1">
-            <a:schemeClr val="accent1"/>
-          </a:fillRef>
-          <a:effectRef idx="0">
-            <a:schemeClr val="accent1"/>
-          </a:effectRef>
-          <a:fontRef idx="minor">
-            <a:schemeClr val="lt1"/>
-          </a:fontRef>
-        </p:style>
-        <p:txBody>
-          <a:bodyPr rtlCol="0" anchor="ctr"/>
-          <a:lstStyle/>
-          <a:p>
-            <a:pPr algn="ctr"/>
-            <a:endParaRPr lang="en-GB"/>
-          </a:p>
-        </p:txBody>
-      </p:sp>
-      <p:sp>
-        <p:nvSpPr>
-          <p:cNvPr id="16" name="Flowchart: Multidocument 15">
-            <a:extLst>
-              <a:ext uri="{FF2B5EF4-FFF2-40B4-BE49-F238E27FC236}">
-                <a16:creationId xmlns:a16="http://schemas.microsoft.com/office/drawing/2014/main" id="{51E63E2E-A49F-419E-A939-620A00BDC190}"/>
-              </a:ext>
-            </a:extLst>
-          </p:cNvPr>
-          <p:cNvSpPr/>
-          <p:nvPr/>
-        </p:nvSpPr>
-        <p:spPr>
-          <a:xfrm>
-            <a:off x="3465436" y="4200357"/>
-            <a:ext cx="936071" cy="488618"/>
-          </a:xfrm>
-          <a:prstGeom prst="flowChartMultidocument">
-            <a:avLst/>
-          </a:prstGeom>
-          <a:solidFill>
-            <a:schemeClr val="accent3"/>
-          </a:solidFill>
-        </p:spPr>
-        <p:style>
-          <a:lnRef idx="2">
-            <a:schemeClr val="accent1">
-              <a:shade val="50000"/>
-            </a:schemeClr>
-          </a:lnRef>
-          <a:fillRef idx="1">
-            <a:schemeClr val="accent1"/>
-          </a:fillRef>
-          <a:effectRef idx="0">
-            <a:schemeClr val="accent1"/>
-          </a:effectRef>
-          <a:fontRef idx="minor">
-            <a:schemeClr val="lt1"/>
-          </a:fontRef>
-        </p:style>
-        <p:txBody>
-          <a:bodyPr rtlCol="0" anchor="ctr"/>
-          <a:lstStyle/>
-          <a:p>
-            <a:pPr algn="ctr"/>
-            <a:r>
-              <a:rPr lang="en-US" sz="1050" dirty="0">
-                <a:solidFill>
-                  <a:schemeClr val="tx1"/>
-                </a:solidFill>
-              </a:rPr>
-              <a:t>demo.html changed</a:t>
-            </a:r>
-            <a:endParaRPr lang="en-GB" sz="1050" dirty="0">
-              <a:solidFill>
-                <a:schemeClr val="tx1"/>
-              </a:solidFill>
-            </a:endParaRPr>
-          </a:p>
-        </p:txBody>
-      </p:sp>
-      <p:sp>
-        <p:nvSpPr>
-          <p:cNvPr id="6" name="Arrow: Bent 5">
-            <a:extLst>
-              <a:ext uri="{FF2B5EF4-FFF2-40B4-BE49-F238E27FC236}">
-                <a16:creationId xmlns:a16="http://schemas.microsoft.com/office/drawing/2014/main" id="{06F902A2-06D2-49C2-B7D5-7617CA6A113B}"/>
-              </a:ext>
-            </a:extLst>
-          </p:cNvPr>
-          <p:cNvSpPr/>
-          <p:nvPr/>
-        </p:nvSpPr>
-        <p:spPr>
           <a:xfrm flipV="1">
-            <a:off x="1053799" y="4076157"/>
-            <a:ext cx="2433704" cy="1305159"/>
+            <a:off x="1053799" y="4076156"/>
+            <a:ext cx="2433704" cy="1135845"/>
           </a:xfrm>
           <a:prstGeom prst="bentArrow">
             <a:avLst>
@@ -9712,14 +9977,14 @@
           <a:p>
             <a:pPr algn="ctr"/>
             <a:r>
-              <a:rPr lang="en-US" sz="1050" dirty="0">
+              <a:rPr lang="en-US" sz="1050" b="1" dirty="0">
                 <a:solidFill>
                   <a:schemeClr val="tx1"/>
                 </a:solidFill>
               </a:rPr>
               <a:t>zip</a:t>
             </a:r>
-            <a:endParaRPr lang="en-GB" sz="1050" dirty="0">
+            <a:endParaRPr lang="en-GB" sz="1050" b="1" dirty="0">
               <a:solidFill>
                 <a:schemeClr val="tx1"/>
               </a:solidFill>
@@ -10161,6 +10426,494 @@
           </a:p>
         </p:txBody>
       </p:sp>
+      <p:sp>
+        <p:nvSpPr>
+          <p:cNvPr id="22" name="Flowchart: Document 21">
+            <a:extLst>
+              <a:ext uri="{FF2B5EF4-FFF2-40B4-BE49-F238E27FC236}">
+                <a16:creationId xmlns:a16="http://schemas.microsoft.com/office/drawing/2014/main" id="{34F33093-6FE2-4BDC-BF09-A65100970FD9}"/>
+              </a:ext>
+            </a:extLst>
+          </p:cNvPr>
+          <p:cNvSpPr/>
+          <p:nvPr/>
+        </p:nvSpPr>
+        <p:spPr>
+          <a:xfrm>
+            <a:off x="3704845" y="2663541"/>
+            <a:ext cx="690530" cy="470561"/>
+          </a:xfrm>
+          <a:prstGeom prst="flowChartDocument">
+            <a:avLst/>
+          </a:prstGeom>
+          <a:solidFill>
+            <a:schemeClr val="accent3"/>
+          </a:solidFill>
+        </p:spPr>
+        <p:style>
+          <a:lnRef idx="2">
+            <a:schemeClr val="accent1">
+              <a:shade val="50000"/>
+            </a:schemeClr>
+          </a:lnRef>
+          <a:fillRef idx="1">
+            <a:schemeClr val="accent1"/>
+          </a:fillRef>
+          <a:effectRef idx="0">
+            <a:schemeClr val="accent1"/>
+          </a:effectRef>
+          <a:fontRef idx="minor">
+            <a:schemeClr val="lt1"/>
+          </a:fontRef>
+        </p:style>
+        <p:txBody>
+          <a:bodyPr rtlCol="0" anchor="ctr"/>
+          <a:lstStyle/>
+          <a:p>
+            <a:pPr algn="ctr"/>
+            <a:r>
+              <a:rPr lang="en-US" sz="800" b="1" dirty="0">
+                <a:solidFill>
+                  <a:schemeClr val="tx1"/>
+                </a:solidFill>
+              </a:rPr>
+              <a:t>demo.html</a:t>
+            </a:r>
+            <a:endParaRPr lang="en-GB" sz="800" b="1" dirty="0">
+              <a:solidFill>
+                <a:schemeClr val="tx1"/>
+              </a:solidFill>
+            </a:endParaRPr>
+          </a:p>
+        </p:txBody>
+      </p:sp>
+      <p:sp>
+        <p:nvSpPr>
+          <p:cNvPr id="23" name="Flowchart: Document 22">
+            <a:extLst>
+              <a:ext uri="{FF2B5EF4-FFF2-40B4-BE49-F238E27FC236}">
+                <a16:creationId xmlns:a16="http://schemas.microsoft.com/office/drawing/2014/main" id="{A5EF792D-65AD-47A3-A8D7-64803819A177}"/>
+              </a:ext>
+            </a:extLst>
+          </p:cNvPr>
+          <p:cNvSpPr/>
+          <p:nvPr/>
+        </p:nvSpPr>
+        <p:spPr>
+          <a:xfrm>
+            <a:off x="3704845" y="3165031"/>
+            <a:ext cx="690530" cy="470561"/>
+          </a:xfrm>
+          <a:prstGeom prst="flowChartDocument">
+            <a:avLst/>
+          </a:prstGeom>
+          <a:solidFill>
+            <a:schemeClr val="accent3"/>
+          </a:solidFill>
+        </p:spPr>
+        <p:style>
+          <a:lnRef idx="2">
+            <a:schemeClr val="accent1">
+              <a:shade val="50000"/>
+            </a:schemeClr>
+          </a:lnRef>
+          <a:fillRef idx="1">
+            <a:schemeClr val="accent1"/>
+          </a:fillRef>
+          <a:effectRef idx="0">
+            <a:schemeClr val="accent1"/>
+          </a:effectRef>
+          <a:fontRef idx="minor">
+            <a:schemeClr val="lt1"/>
+          </a:fontRef>
+        </p:style>
+        <p:txBody>
+          <a:bodyPr rtlCol="0" anchor="ctr"/>
+          <a:lstStyle/>
+          <a:p>
+            <a:pPr algn="ctr"/>
+            <a:r>
+              <a:rPr lang="en-US" sz="800" b="1" dirty="0" err="1">
+                <a:solidFill>
+                  <a:schemeClr val="tx1"/>
+                </a:solidFill>
+              </a:rPr>
+              <a:t>img</a:t>
+            </a:r>
+            <a:r>
+              <a:rPr lang="en-US" sz="800" b="1" dirty="0">
+                <a:solidFill>
+                  <a:schemeClr val="tx1"/>
+                </a:solidFill>
+              </a:rPr>
+              <a:t>/</a:t>
+            </a:r>
+            <a:br>
+              <a:rPr lang="en-US" sz="800" b="1" dirty="0">
+                <a:solidFill>
+                  <a:schemeClr val="tx1"/>
+                </a:solidFill>
+              </a:rPr>
+            </a:br>
+            <a:r>
+              <a:rPr lang="en-US" sz="800" b="1" dirty="0">
+                <a:solidFill>
+                  <a:schemeClr val="tx1"/>
+                </a:solidFill>
+              </a:rPr>
+              <a:t>old.png</a:t>
+            </a:r>
+            <a:endParaRPr lang="en-GB" sz="800" b="1" dirty="0">
+              <a:solidFill>
+                <a:schemeClr val="tx1"/>
+              </a:solidFill>
+            </a:endParaRPr>
+          </a:p>
+        </p:txBody>
+      </p:sp>
+      <p:sp>
+        <p:nvSpPr>
+          <p:cNvPr id="24" name="Flowchart: Document 23">
+            <a:extLst>
+              <a:ext uri="{FF2B5EF4-FFF2-40B4-BE49-F238E27FC236}">
+                <a16:creationId xmlns:a16="http://schemas.microsoft.com/office/drawing/2014/main" id="{03D866C2-5226-41C7-A848-9137F45B8027}"/>
+              </a:ext>
+            </a:extLst>
+          </p:cNvPr>
+          <p:cNvSpPr/>
+          <p:nvPr/>
+        </p:nvSpPr>
+        <p:spPr>
+          <a:xfrm>
+            <a:off x="3597958" y="4105801"/>
+            <a:ext cx="690530" cy="470561"/>
+          </a:xfrm>
+          <a:prstGeom prst="flowChartDocument">
+            <a:avLst/>
+          </a:prstGeom>
+          <a:solidFill>
+            <a:schemeClr val="accent3"/>
+          </a:solidFill>
+        </p:spPr>
+        <p:style>
+          <a:lnRef idx="2">
+            <a:schemeClr val="accent1">
+              <a:shade val="50000"/>
+            </a:schemeClr>
+          </a:lnRef>
+          <a:fillRef idx="1">
+            <a:schemeClr val="accent1"/>
+          </a:fillRef>
+          <a:effectRef idx="0">
+            <a:schemeClr val="accent1"/>
+          </a:effectRef>
+          <a:fontRef idx="minor">
+            <a:schemeClr val="lt1"/>
+          </a:fontRef>
+        </p:style>
+        <p:txBody>
+          <a:bodyPr rtlCol="0" anchor="ctr"/>
+          <a:lstStyle/>
+          <a:p>
+            <a:pPr algn="ctr"/>
+            <a:r>
+              <a:rPr lang="en-US" sz="800" b="1" dirty="0">
+                <a:solidFill>
+                  <a:schemeClr val="tx1"/>
+                </a:solidFill>
+              </a:rPr>
+              <a:t>demo.html</a:t>
+            </a:r>
+            <a:br>
+              <a:rPr lang="en-US" sz="800" b="1" dirty="0">
+                <a:solidFill>
+                  <a:schemeClr val="tx1"/>
+                </a:solidFill>
+              </a:rPr>
+            </a:br>
+            <a:r>
+              <a:rPr lang="en-US" sz="800" b="1" dirty="0">
+                <a:solidFill>
+                  <a:schemeClr val="tx1"/>
+                </a:solidFill>
+              </a:rPr>
+              <a:t>(changed)</a:t>
+            </a:r>
+            <a:endParaRPr lang="en-GB" sz="800" b="1" dirty="0">
+              <a:solidFill>
+                <a:schemeClr val="tx1"/>
+              </a:solidFill>
+            </a:endParaRPr>
+          </a:p>
+        </p:txBody>
+      </p:sp>
+      <p:pic>
+        <p:nvPicPr>
+          <p:cNvPr id="26" name="Picture 25">
+            <a:extLst>
+              <a:ext uri="{FF2B5EF4-FFF2-40B4-BE49-F238E27FC236}">
+                <a16:creationId xmlns:a16="http://schemas.microsoft.com/office/drawing/2014/main" id="{333607D9-700D-4CBA-9AE7-8FF938B567B7}"/>
+              </a:ext>
+            </a:extLst>
+          </p:cNvPr>
+          <p:cNvPicPr>
+            <a:picLocks noChangeAspect="1"/>
+          </p:cNvPicPr>
+          <p:nvPr/>
+        </p:nvPicPr>
+        <p:blipFill>
+          <a:blip r:embed="rId3">
+            <a:extLst>
+              <a:ext uri="{28A0092B-C50C-407E-A947-70E740481C1C}">
+                <a14:useLocalDpi xmlns:a14="http://schemas.microsoft.com/office/drawing/2010/main" val="0"/>
+              </a:ext>
+            </a:extLst>
+          </a:blip>
+          <a:stretch>
+            <a:fillRect/>
+          </a:stretch>
+        </p:blipFill>
+        <p:spPr>
+          <a:xfrm>
+            <a:off x="326886" y="5598274"/>
+            <a:ext cx="1453825" cy="1016967"/>
+          </a:xfrm>
+          <a:prstGeom prst="rect">
+            <a:avLst/>
+          </a:prstGeom>
+          <a:ln w="25400" cap="rnd">
+            <a:solidFill>
+              <a:schemeClr val="accent1"/>
+            </a:solidFill>
+            <a:extLst>
+              <a:ext uri="{C807C97D-BFC1-408E-A445-0C87EB9F89A2}">
+                <ask:lineSketchStyleProps xmlns:ask="http://schemas.microsoft.com/office/drawing/2018/sketchyshapes" sd="1219033472">
+                  <a:custGeom>
+                    <a:avLst/>
+                    <a:gdLst>
+                      <a:gd name="connsiteX0" fmla="*/ 0 w 1453825"/>
+                      <a:gd name="connsiteY0" fmla="*/ 0 h 1016967"/>
+                      <a:gd name="connsiteX1" fmla="*/ 470070 w 1453825"/>
+                      <a:gd name="connsiteY1" fmla="*/ 0 h 1016967"/>
+                      <a:gd name="connsiteX2" fmla="*/ 954678 w 1453825"/>
+                      <a:gd name="connsiteY2" fmla="*/ 0 h 1016967"/>
+                      <a:gd name="connsiteX3" fmla="*/ 1453825 w 1453825"/>
+                      <a:gd name="connsiteY3" fmla="*/ 0 h 1016967"/>
+                      <a:gd name="connsiteX4" fmla="*/ 1453825 w 1453825"/>
+                      <a:gd name="connsiteY4" fmla="*/ 508484 h 1016967"/>
+                      <a:gd name="connsiteX5" fmla="*/ 1453825 w 1453825"/>
+                      <a:gd name="connsiteY5" fmla="*/ 1016967 h 1016967"/>
+                      <a:gd name="connsiteX6" fmla="*/ 969217 w 1453825"/>
+                      <a:gd name="connsiteY6" fmla="*/ 1016967 h 1016967"/>
+                      <a:gd name="connsiteX7" fmla="*/ 513685 w 1453825"/>
+                      <a:gd name="connsiteY7" fmla="*/ 1016967 h 1016967"/>
+                      <a:gd name="connsiteX8" fmla="*/ 0 w 1453825"/>
+                      <a:gd name="connsiteY8" fmla="*/ 1016967 h 1016967"/>
+                      <a:gd name="connsiteX9" fmla="*/ 0 w 1453825"/>
+                      <a:gd name="connsiteY9" fmla="*/ 518653 h 1016967"/>
+                      <a:gd name="connsiteX10" fmla="*/ 0 w 1453825"/>
+                      <a:gd name="connsiteY10" fmla="*/ 0 h 1016967"/>
+                    </a:gdLst>
+                    <a:ahLst/>
+                    <a:cxnLst>
+                      <a:cxn ang="0">
+                        <a:pos x="connsiteX0" y="connsiteY0"/>
+                      </a:cxn>
+                      <a:cxn ang="0">
+                        <a:pos x="connsiteX1" y="connsiteY1"/>
+                      </a:cxn>
+                      <a:cxn ang="0">
+                        <a:pos x="connsiteX2" y="connsiteY2"/>
+                      </a:cxn>
+                      <a:cxn ang="0">
+                        <a:pos x="connsiteX3" y="connsiteY3"/>
+                      </a:cxn>
+                      <a:cxn ang="0">
+                        <a:pos x="connsiteX4" y="connsiteY4"/>
+                      </a:cxn>
+                      <a:cxn ang="0">
+                        <a:pos x="connsiteX5" y="connsiteY5"/>
+                      </a:cxn>
+                      <a:cxn ang="0">
+                        <a:pos x="connsiteX6" y="connsiteY6"/>
+                      </a:cxn>
+                      <a:cxn ang="0">
+                        <a:pos x="connsiteX7" y="connsiteY7"/>
+                      </a:cxn>
+                      <a:cxn ang="0">
+                        <a:pos x="connsiteX8" y="connsiteY8"/>
+                      </a:cxn>
+                      <a:cxn ang="0">
+                        <a:pos x="connsiteX9" y="connsiteY9"/>
+                      </a:cxn>
+                      <a:cxn ang="0">
+                        <a:pos x="connsiteX10" y="connsiteY10"/>
+                      </a:cxn>
+                    </a:cxnLst>
+                    <a:rect l="l" t="t" r="r" b="b"/>
+                    <a:pathLst>
+                      <a:path w="1453825" h="1016967" fill="none" extrusionOk="0">
+                        <a:moveTo>
+                          <a:pt x="0" y="0"/>
+                        </a:moveTo>
+                        <a:cubicBezTo>
+                          <a:pt x="212120" y="-19411"/>
+                          <a:pt x="239595" y="7090"/>
+                          <a:pt x="470070" y="0"/>
+                        </a:cubicBezTo>
+                        <a:cubicBezTo>
+                          <a:pt x="700545" y="-7090"/>
+                          <a:pt x="847246" y="52424"/>
+                          <a:pt x="954678" y="0"/>
+                        </a:cubicBezTo>
+                        <a:cubicBezTo>
+                          <a:pt x="1062110" y="-52424"/>
+                          <a:pt x="1325090" y="12427"/>
+                          <a:pt x="1453825" y="0"/>
+                        </a:cubicBezTo>
+                        <a:cubicBezTo>
+                          <a:pt x="1465339" y="254224"/>
+                          <a:pt x="1427141" y="364843"/>
+                          <a:pt x="1453825" y="508484"/>
+                        </a:cubicBezTo>
+                        <a:cubicBezTo>
+                          <a:pt x="1480509" y="652125"/>
+                          <a:pt x="1439347" y="875358"/>
+                          <a:pt x="1453825" y="1016967"/>
+                        </a:cubicBezTo>
+                        <a:cubicBezTo>
+                          <a:pt x="1235895" y="1065068"/>
+                          <a:pt x="1160741" y="980587"/>
+                          <a:pt x="969217" y="1016967"/>
+                        </a:cubicBezTo>
+                        <a:cubicBezTo>
+                          <a:pt x="777693" y="1053347"/>
+                          <a:pt x="628283" y="972846"/>
+                          <a:pt x="513685" y="1016967"/>
+                        </a:cubicBezTo>
+                        <a:cubicBezTo>
+                          <a:pt x="399087" y="1061088"/>
+                          <a:pt x="145042" y="979288"/>
+                          <a:pt x="0" y="1016967"/>
+                        </a:cubicBezTo>
+                        <a:cubicBezTo>
+                          <a:pt x="-23987" y="770366"/>
+                          <a:pt x="46999" y="739733"/>
+                          <a:pt x="0" y="518653"/>
+                        </a:cubicBezTo>
+                        <a:cubicBezTo>
+                          <a:pt x="-46999" y="297573"/>
+                          <a:pt x="13533" y="171176"/>
+                          <a:pt x="0" y="0"/>
+                        </a:cubicBezTo>
+                        <a:close/>
+                      </a:path>
+                      <a:path w="1453825" h="1016967" stroke="0" extrusionOk="0">
+                        <a:moveTo>
+                          <a:pt x="0" y="0"/>
+                        </a:moveTo>
+                        <a:cubicBezTo>
+                          <a:pt x="221025" y="-46244"/>
+                          <a:pt x="353597" y="53580"/>
+                          <a:pt x="470070" y="0"/>
+                        </a:cubicBezTo>
+                        <a:cubicBezTo>
+                          <a:pt x="586543" y="-53580"/>
+                          <a:pt x="707265" y="2788"/>
+                          <a:pt x="911064" y="0"/>
+                        </a:cubicBezTo>
+                        <a:cubicBezTo>
+                          <a:pt x="1114863" y="-2788"/>
+                          <a:pt x="1302425" y="55497"/>
+                          <a:pt x="1453825" y="0"/>
+                        </a:cubicBezTo>
+                        <a:cubicBezTo>
+                          <a:pt x="1467797" y="180258"/>
+                          <a:pt x="1420679" y="274411"/>
+                          <a:pt x="1453825" y="498314"/>
+                        </a:cubicBezTo>
+                        <a:cubicBezTo>
+                          <a:pt x="1486971" y="722217"/>
+                          <a:pt x="1445536" y="886753"/>
+                          <a:pt x="1453825" y="1016967"/>
+                        </a:cubicBezTo>
+                        <a:cubicBezTo>
+                          <a:pt x="1296525" y="1071090"/>
+                          <a:pt x="1197094" y="1009546"/>
+                          <a:pt x="998293" y="1016967"/>
+                        </a:cubicBezTo>
+                        <a:cubicBezTo>
+                          <a:pt x="799492" y="1024388"/>
+                          <a:pt x="663979" y="975840"/>
+                          <a:pt x="542761" y="1016967"/>
+                        </a:cubicBezTo>
+                        <a:cubicBezTo>
+                          <a:pt x="421543" y="1058094"/>
+                          <a:pt x="218108" y="988133"/>
+                          <a:pt x="0" y="1016967"/>
+                        </a:cubicBezTo>
+                        <a:cubicBezTo>
+                          <a:pt x="-12008" y="802400"/>
+                          <a:pt x="10811" y="725782"/>
+                          <a:pt x="0" y="538993"/>
+                        </a:cubicBezTo>
+                        <a:cubicBezTo>
+                          <a:pt x="-10811" y="352204"/>
+                          <a:pt x="2075" y="200412"/>
+                          <a:pt x="0" y="0"/>
+                        </a:cubicBezTo>
+                        <a:close/>
+                      </a:path>
+                    </a:pathLst>
+                  </a:custGeom>
+                  <ask:type>
+                    <ask:lineSketchNone/>
+                  </ask:type>
+                </ask:lineSketchStyleProps>
+              </a:ext>
+            </a:extLst>
+          </a:ln>
+        </p:spPr>
+      </p:pic>
+      <p:cxnSp>
+        <p:nvCxnSpPr>
+          <p:cNvPr id="27" name="Straight Arrow Connector 26">
+            <a:extLst>
+              <a:ext uri="{FF2B5EF4-FFF2-40B4-BE49-F238E27FC236}">
+                <a16:creationId xmlns:a16="http://schemas.microsoft.com/office/drawing/2014/main" id="{60798D49-524B-4C9B-9149-AD703440232F}"/>
+              </a:ext>
+            </a:extLst>
+          </p:cNvPr>
+          <p:cNvCxnSpPr/>
+          <p:nvPr/>
+        </p:nvCxnSpPr>
+        <p:spPr>
+          <a:xfrm flipV="1">
+            <a:off x="1928474" y="5212001"/>
+            <a:ext cx="1559029" cy="547419"/>
+          </a:xfrm>
+          <a:prstGeom prst="straightConnector1">
+            <a:avLst/>
+          </a:prstGeom>
+          <a:ln w="25400">
+            <a:tailEnd type="triangle"/>
+          </a:ln>
+        </p:spPr>
+        <p:style>
+          <a:lnRef idx="1">
+            <a:schemeClr val="accent1"/>
+          </a:lnRef>
+          <a:fillRef idx="0">
+            <a:schemeClr val="accent1"/>
+          </a:fillRef>
+          <a:effectRef idx="0">
+            <a:schemeClr val="accent1"/>
+          </a:effectRef>
+          <a:fontRef idx="minor">
+            <a:schemeClr val="tx1"/>
+          </a:fontRef>
+        </p:style>
+      </p:cxnSp>
     </p:spTree>
     <p:extLst>
       <p:ext uri="{BB962C8B-B14F-4D97-AF65-F5344CB8AC3E}">
